--- a/Microsoft Movie Studio Market Analysis.pptx
+++ b/Microsoft Movie Studio Market Analysis.pptx
@@ -6,14 +6,14 @@
   </p:sldMasterIdLst>
   <p:sldIdLst>
     <p:sldId id="256" r:id="rId2"/>
-    <p:sldId id="264" r:id="rId3"/>
-    <p:sldId id="257" r:id="rId4"/>
-    <p:sldId id="258" r:id="rId5"/>
-    <p:sldId id="259" r:id="rId6"/>
-    <p:sldId id="260" r:id="rId7"/>
-    <p:sldId id="261" r:id="rId8"/>
-    <p:sldId id="262" r:id="rId9"/>
-    <p:sldId id="263" r:id="rId10"/>
+    <p:sldId id="257" r:id="rId3"/>
+    <p:sldId id="258" r:id="rId4"/>
+    <p:sldId id="259" r:id="rId5"/>
+    <p:sldId id="260" r:id="rId6"/>
+    <p:sldId id="261" r:id="rId7"/>
+    <p:sldId id="262" r:id="rId8"/>
+    <p:sldId id="263" r:id="rId9"/>
+    <p:sldId id="264" r:id="rId10"/>
   </p:sldIdLst>
   <p:sldSz cx="12192000" cy="6858000"/>
   <p:notesSz cx="6858000" cy="9144000"/>
@@ -3725,7 +3725,7 @@
           <p:cNvPr id="2" name="Title 1">
             <a:extLst>
               <a:ext uri="{FF2B5EF4-FFF2-40B4-BE49-F238E27FC236}">
-                <a16:creationId xmlns:a16="http://schemas.microsoft.com/office/drawing/2014/main" id="{87F2AF2D-018C-2B8F-8D58-FE803D5AC3F8}"/>
+                <a16:creationId xmlns:a16="http://schemas.microsoft.com/office/drawing/2014/main" id="{CB706401-1E81-DFE1-4BCC-AF9F42F19E12}"/>
               </a:ext>
             </a:extLst>
           </p:cNvPr>
@@ -3743,7 +3743,7 @@
           <a:p>
             <a:r>
               <a:rPr lang="en-US" dirty="0"/>
-              <a:t>For more info:</a:t>
+              <a:t>Overview</a:t>
             </a:r>
           </a:p>
         </p:txBody>
@@ -3753,7 +3753,7 @@
           <p:cNvPr id="3" name="Content Placeholder 2">
             <a:extLst>
               <a:ext uri="{FF2B5EF4-FFF2-40B4-BE49-F238E27FC236}">
-                <a16:creationId xmlns:a16="http://schemas.microsoft.com/office/drawing/2014/main" id="{EFE04255-12A7-650D-F6D3-B5D56C26C4AA}"/>
+                <a16:creationId xmlns:a16="http://schemas.microsoft.com/office/drawing/2014/main" id="{BFD95C30-24FD-8390-8D2A-1CF35F153937}"/>
               </a:ext>
             </a:extLst>
           </p:cNvPr>
@@ -3764,38 +3764,66 @@
             <p:ph idx="1"/>
           </p:nvPr>
         </p:nvSpPr>
-        <p:spPr/>
-        <p:txBody>
-          <a:bodyPr/>
-          <a:lstStyle/>
-          <a:p>
+        <p:spPr>
+          <a:xfrm>
+            <a:off x="678180" y="1804988"/>
+            <a:ext cx="10515600" cy="4351338"/>
+          </a:xfrm>
+        </p:spPr>
+        <p:txBody>
+          <a:bodyPr/>
+          <a:lstStyle/>
+          <a:p>
+            <a:pPr>
+              <a:buFont typeface="Wingdings" panose="05000000000000000000" pitchFamily="2" charset="2"/>
+              <a:buChar char="Ø"/>
+            </a:pPr>
             <a:r>
               <a:rPr lang="en-US" dirty="0"/>
-              <a:t>Contact:</a:t>
-            </a:r>
-          </a:p>
-          <a:p>
+              <a:t>This project explore current box office trends to help Microsoft make data driven decision as it enters the original movie production  space.</a:t>
+            </a:r>
+          </a:p>
+          <a:p>
+            <a:pPr>
+              <a:buFont typeface="Wingdings" panose="05000000000000000000" pitchFamily="2" charset="2"/>
+              <a:buChar char="Ø"/>
+            </a:pPr>
             <a:r>
               <a:rPr lang="en-US" dirty="0"/>
-              <a:t>Email[princevalentine879@gmail.com]</a:t>
-            </a:r>
-          </a:p>
-          <a:p>
+              <a:t>Using dataset from IMDB and Box  Office Mojo ,the analysis focuses on genre performance ,run </a:t>
+            </a:r>
+            <a:r>
+              <a:rPr lang="en-US" dirty="0" err="1"/>
+              <a:t>time,audience</a:t>
+            </a:r>
             <a:r>
               <a:rPr lang="en-US" dirty="0"/>
-              <a:t>Git </a:t>
-            </a:r>
-            <a:r>
-              <a:rPr lang="en-US"/>
-              <a:t>Hub []</a:t>
-            </a:r>
+              <a:t> ratings , and gross earnings.</a:t>
+            </a:r>
+          </a:p>
+          <a:p>
+            <a:pPr>
+              <a:buFont typeface="Wingdings" panose="05000000000000000000" pitchFamily="2" charset="2"/>
+              <a:buChar char="Ø"/>
+            </a:pPr>
+            <a:r>
+              <a:rPr lang="en-US" dirty="0"/>
+              <a:t>The goal is to identify profitable film traits to inform strategic content  development.</a:t>
+            </a:r>
+          </a:p>
+          <a:p>
+            <a:pPr>
+              <a:buFont typeface="Wingdings" panose="05000000000000000000" pitchFamily="2" charset="2"/>
+              <a:buChar char="Ø"/>
+            </a:pPr>
+            <a:endParaRPr lang="en-US" dirty="0"/>
           </a:p>
         </p:txBody>
       </p:sp>
     </p:spTree>
     <p:extLst>
       <p:ext uri="{BB962C8B-B14F-4D97-AF65-F5344CB8AC3E}">
-        <p14:creationId xmlns:p14="http://schemas.microsoft.com/office/powerpoint/2010/main" val="436835081"/>
+        <p14:creationId xmlns:p14="http://schemas.microsoft.com/office/powerpoint/2010/main" val="3152142371"/>
       </p:ext>
     </p:extLst>
   </p:cSld>
@@ -3827,7 +3855,7 @@
           <p:cNvPr id="2" name="Title 1">
             <a:extLst>
               <a:ext uri="{FF2B5EF4-FFF2-40B4-BE49-F238E27FC236}">
-                <a16:creationId xmlns:a16="http://schemas.microsoft.com/office/drawing/2014/main" id="{CB706401-1E81-DFE1-4BCC-AF9F42F19E12}"/>
+                <a16:creationId xmlns:a16="http://schemas.microsoft.com/office/drawing/2014/main" id="{85D67D84-B235-0875-EC33-51D2F05FBCD1}"/>
               </a:ext>
             </a:extLst>
           </p:cNvPr>
@@ -3845,7 +3873,7 @@
           <a:p>
             <a:r>
               <a:rPr lang="en-US" dirty="0"/>
-              <a:t>Overview</a:t>
+              <a:t>Business Problem</a:t>
             </a:r>
           </a:p>
         </p:txBody>
@@ -3855,7 +3883,7 @@
           <p:cNvPr id="3" name="Content Placeholder 2">
             <a:extLst>
               <a:ext uri="{FF2B5EF4-FFF2-40B4-BE49-F238E27FC236}">
-                <a16:creationId xmlns:a16="http://schemas.microsoft.com/office/drawing/2014/main" id="{BFD95C30-24FD-8390-8D2A-1CF35F153937}"/>
+                <a16:creationId xmlns:a16="http://schemas.microsoft.com/office/drawing/2014/main" id="{0597F651-5D1E-78CF-A791-DBA700571539}"/>
               </a:ext>
             </a:extLst>
           </p:cNvPr>
@@ -3866,14 +3894,11 @@
             <p:ph idx="1"/>
           </p:nvPr>
         </p:nvSpPr>
-        <p:spPr>
-          <a:xfrm>
-            <a:off x="678180" y="1804988"/>
-            <a:ext cx="10515600" cy="4351338"/>
-          </a:xfrm>
-        </p:spPr>
-        <p:txBody>
-          <a:bodyPr/>
+        <p:spPr/>
+        <p:txBody>
+          <a:bodyPr>
+            <a:normAutofit lnSpcReduction="10000"/>
+          </a:bodyPr>
           <a:lstStyle/>
           <a:p>
             <a:pPr>
@@ -3882,7 +3907,7 @@
             </a:pPr>
             <a:r>
               <a:rPr lang="en-US" dirty="0"/>
-              <a:t>This project explore current box office trends to help Microsoft make data driven decision as it enters the original movie production  space.</a:t>
+              <a:t>Microsoft is launching a new movie  studio but  lucks insight into what type of movies perform best commercially.</a:t>
             </a:r>
           </a:p>
           <a:p>
@@ -3892,40 +3917,42 @@
             </a:pPr>
             <a:r>
               <a:rPr lang="en-US" dirty="0"/>
-              <a:t>Using dataset from IMDB and Box  Office Mojo ,the analysis focuses on genre performance ,run </a:t>
-            </a:r>
-            <a:r>
-              <a:rPr lang="en-US" dirty="0" err="1"/>
-              <a:t>time,audience</a:t>
-            </a:r>
+              <a:t>Understanding genre trends , runtime preferences , and audience reception can guide investment into films  that maximize both critical and financial success.</a:t>
+            </a:r>
+          </a:p>
+          <a:p>
+            <a:pPr marL="0" indent="0">
+              <a:buNone/>
+            </a:pPr>
             <a:r>
               <a:rPr lang="en-US" dirty="0"/>
-              <a:t> ratings , and gross earnings.</a:t>
-            </a:r>
-          </a:p>
-          <a:p>
-            <a:pPr>
-              <a:buFont typeface="Wingdings" panose="05000000000000000000" pitchFamily="2" charset="2"/>
-              <a:buChar char="Ø"/>
-            </a:pPr>
+              <a:t>Business Questions:</a:t>
+            </a:r>
+          </a:p>
+          <a:p>
             <a:r>
               <a:rPr lang="en-US" dirty="0"/>
-              <a:t>The goal is to identify profitable film traits to inform strategic content  development.</a:t>
-            </a:r>
-          </a:p>
-          <a:p>
-            <a:pPr>
-              <a:buFont typeface="Wingdings" panose="05000000000000000000" pitchFamily="2" charset="2"/>
-              <a:buChar char="Ø"/>
-            </a:pPr>
-            <a:endParaRPr lang="en-US" dirty="0"/>
+              <a:t>What type of movies generate the most revenue?</a:t>
+            </a:r>
+          </a:p>
+          <a:p>
+            <a:r>
+              <a:rPr lang="en-US" dirty="0"/>
+              <a:t>Do audience rating and number of votes correlate with higher gross?</a:t>
+            </a:r>
+          </a:p>
+          <a:p>
+            <a:r>
+              <a:rPr lang="en-US" dirty="0"/>
+              <a:t>How do gender and release year influence box office performance?</a:t>
+            </a:r>
           </a:p>
         </p:txBody>
       </p:sp>
     </p:spTree>
     <p:extLst>
       <p:ext uri="{BB962C8B-B14F-4D97-AF65-F5344CB8AC3E}">
-        <p14:creationId xmlns:p14="http://schemas.microsoft.com/office/powerpoint/2010/main" val="3152142371"/>
+        <p14:creationId xmlns:p14="http://schemas.microsoft.com/office/powerpoint/2010/main" val="4183187988"/>
       </p:ext>
     </p:extLst>
   </p:cSld>
@@ -3957,7 +3984,7 @@
           <p:cNvPr id="2" name="Title 1">
             <a:extLst>
               <a:ext uri="{FF2B5EF4-FFF2-40B4-BE49-F238E27FC236}">
-                <a16:creationId xmlns:a16="http://schemas.microsoft.com/office/drawing/2014/main" id="{85D67D84-B235-0875-EC33-51D2F05FBCD1}"/>
+                <a16:creationId xmlns:a16="http://schemas.microsoft.com/office/drawing/2014/main" id="{F872834B-A367-3367-91E3-18581CB5F30D}"/>
               </a:ext>
             </a:extLst>
           </p:cNvPr>
@@ -3975,7 +4002,7 @@
           <a:p>
             <a:r>
               <a:rPr lang="en-US" dirty="0"/>
-              <a:t>Business Problem</a:t>
+              <a:t>Data</a:t>
             </a:r>
           </a:p>
         </p:txBody>
@@ -3985,7 +4012,7 @@
           <p:cNvPr id="3" name="Content Placeholder 2">
             <a:extLst>
               <a:ext uri="{FF2B5EF4-FFF2-40B4-BE49-F238E27FC236}">
-                <a16:creationId xmlns:a16="http://schemas.microsoft.com/office/drawing/2014/main" id="{0597F651-5D1E-78CF-A791-DBA700571539}"/>
+                <a16:creationId xmlns:a16="http://schemas.microsoft.com/office/drawing/2014/main" id="{5A234037-29F3-2C5B-2506-9B2915116CC2}"/>
               </a:ext>
             </a:extLst>
           </p:cNvPr>
@@ -3998,55 +4025,33 @@
         </p:nvSpPr>
         <p:spPr/>
         <p:txBody>
-          <a:bodyPr>
-            <a:normAutofit lnSpcReduction="10000"/>
-          </a:bodyPr>
-          <a:lstStyle/>
-          <a:p>
-            <a:pPr>
-              <a:buFont typeface="Wingdings" panose="05000000000000000000" pitchFamily="2" charset="2"/>
-              <a:buChar char="Ø"/>
+          <a:bodyPr/>
+          <a:lstStyle/>
+          <a:p>
+            <a:pPr marL="0" indent="0">
+              <a:buNone/>
             </a:pPr>
             <a:r>
               <a:rPr lang="en-US" dirty="0"/>
-              <a:t>Microsoft is launching a new movie  studio but  lucks insight into what type of movies perform best commercially.</a:t>
-            </a:r>
-          </a:p>
-          <a:p>
-            <a:pPr>
-              <a:buFont typeface="Wingdings" panose="05000000000000000000" pitchFamily="2" charset="2"/>
-              <a:buChar char="Ø"/>
-            </a:pPr>
+              <a:t>Data sources:</a:t>
+            </a:r>
+          </a:p>
+          <a:p>
             <a:r>
               <a:rPr lang="en-US" dirty="0"/>
-              <a:t>Understanding genre trends , runtime preferences , and audience reception can guide investment into films  that maximize both critical and financial success.</a:t>
-            </a:r>
-          </a:p>
-          <a:p>
-            <a:pPr marL="0" indent="0">
-              <a:buNone/>
-            </a:pPr>
+              <a:t>imdb.title.basics.tsv.gz : Title, genre, runtime, year</a:t>
+            </a:r>
+          </a:p>
+          <a:p>
             <a:r>
               <a:rPr lang="en-US" dirty="0"/>
-              <a:t>Business Questions:</a:t>
+              <a:t>imdb.title.ratings.tsv.gz : Average rating , number of votes</a:t>
             </a:r>
           </a:p>
           <a:p>
             <a:r>
               <a:rPr lang="en-US" dirty="0"/>
-              <a:t>What type of movies generate the most revenue?</a:t>
-            </a:r>
-          </a:p>
-          <a:p>
-            <a:r>
-              <a:rPr lang="en-US" dirty="0"/>
-              <a:t>Do audience rating and number of votes correlate with higher gross?</a:t>
-            </a:r>
-          </a:p>
-          <a:p>
-            <a:r>
-              <a:rPr lang="en-US" dirty="0"/>
-              <a:t>How do gender and release year influence box office performance?</a:t>
+              <a:t>bom.movie_gross.csv : Domestic and foreign gross revenue</a:t>
             </a:r>
           </a:p>
         </p:txBody>
@@ -4054,7 +4059,7 @@
     </p:spTree>
     <p:extLst>
       <p:ext uri="{BB962C8B-B14F-4D97-AF65-F5344CB8AC3E}">
-        <p14:creationId xmlns:p14="http://schemas.microsoft.com/office/powerpoint/2010/main" val="4183187988"/>
+        <p14:creationId xmlns:p14="http://schemas.microsoft.com/office/powerpoint/2010/main" val="685563817"/>
       </p:ext>
     </p:extLst>
   </p:cSld>
@@ -4086,113 +4091,6 @@
           <p:cNvPr id="2" name="Title 1">
             <a:extLst>
               <a:ext uri="{FF2B5EF4-FFF2-40B4-BE49-F238E27FC236}">
-                <a16:creationId xmlns:a16="http://schemas.microsoft.com/office/drawing/2014/main" id="{F872834B-A367-3367-91E3-18581CB5F30D}"/>
-              </a:ext>
-            </a:extLst>
-          </p:cNvPr>
-          <p:cNvSpPr>
-            <a:spLocks noGrp="1"/>
-          </p:cNvSpPr>
-          <p:nvPr>
-            <p:ph type="title"/>
-          </p:nvPr>
-        </p:nvSpPr>
-        <p:spPr/>
-        <p:txBody>
-          <a:bodyPr/>
-          <a:lstStyle/>
-          <a:p>
-            <a:r>
-              <a:rPr lang="en-US" dirty="0"/>
-              <a:t>Data</a:t>
-            </a:r>
-          </a:p>
-        </p:txBody>
-      </p:sp>
-      <p:sp>
-        <p:nvSpPr>
-          <p:cNvPr id="3" name="Content Placeholder 2">
-            <a:extLst>
-              <a:ext uri="{FF2B5EF4-FFF2-40B4-BE49-F238E27FC236}">
-                <a16:creationId xmlns:a16="http://schemas.microsoft.com/office/drawing/2014/main" id="{5A234037-29F3-2C5B-2506-9B2915116CC2}"/>
-              </a:ext>
-            </a:extLst>
-          </p:cNvPr>
-          <p:cNvSpPr>
-            <a:spLocks noGrp="1"/>
-          </p:cNvSpPr>
-          <p:nvPr>
-            <p:ph idx="1"/>
-          </p:nvPr>
-        </p:nvSpPr>
-        <p:spPr/>
-        <p:txBody>
-          <a:bodyPr/>
-          <a:lstStyle/>
-          <a:p>
-            <a:pPr marL="0" indent="0">
-              <a:buNone/>
-            </a:pPr>
-            <a:r>
-              <a:rPr lang="en-US" dirty="0"/>
-              <a:t>Data sources:</a:t>
-            </a:r>
-          </a:p>
-          <a:p>
-            <a:r>
-              <a:rPr lang="en-US" dirty="0"/>
-              <a:t>imdb.title.basics.tsv.gz : Title, genre, runtime, year</a:t>
-            </a:r>
-          </a:p>
-          <a:p>
-            <a:r>
-              <a:rPr lang="en-US" dirty="0"/>
-              <a:t>imdb.title.ratings.tsv.gz : Average rating , number of votes</a:t>
-            </a:r>
-          </a:p>
-          <a:p>
-            <a:r>
-              <a:rPr lang="en-US" dirty="0"/>
-              <a:t>bom.movie_gross.csv : Domestic and foreign gross revenue</a:t>
-            </a:r>
-          </a:p>
-        </p:txBody>
-      </p:sp>
-    </p:spTree>
-    <p:extLst>
-      <p:ext uri="{BB962C8B-B14F-4D97-AF65-F5344CB8AC3E}">
-        <p14:creationId xmlns:p14="http://schemas.microsoft.com/office/powerpoint/2010/main" val="685563817"/>
-      </p:ext>
-    </p:extLst>
-  </p:cSld>
-  <p:clrMapOvr>
-    <a:masterClrMapping/>
-  </p:clrMapOvr>
-</p:sld>
-</file>
-
-<file path=ppt/slides/slide6.xml><?xml version="1.0" encoding="utf-8"?>
-<p:sld xmlns:a="http://schemas.openxmlformats.org/drawingml/2006/main" xmlns:r="http://schemas.openxmlformats.org/officeDocument/2006/relationships" xmlns:p="http://schemas.openxmlformats.org/presentationml/2006/main">
-  <p:cSld>
-    <p:spTree>
-      <p:nvGrpSpPr>
-        <p:cNvPr id="1" name=""/>
-        <p:cNvGrpSpPr/>
-        <p:nvPr/>
-      </p:nvGrpSpPr>
-      <p:grpSpPr>
-        <a:xfrm>
-          <a:off x="0" y="0"/>
-          <a:ext cx="0" cy="0"/>
-          <a:chOff x="0" y="0"/>
-          <a:chExt cx="0" cy="0"/>
-        </a:xfrm>
-      </p:grpSpPr>
-      <p:sp>
-        <p:nvSpPr>
-          <p:cNvPr id="2" name="Title 1">
-            <a:extLst>
-              <a:ext uri="{FF2B5EF4-FFF2-40B4-BE49-F238E27FC236}">
                 <a16:creationId xmlns:a16="http://schemas.microsoft.com/office/drawing/2014/main" id="{B42D9BAB-FC09-AEAC-E6AC-A68C0C83F116}"/>
               </a:ext>
             </a:extLst>
@@ -4314,7 +4212,7 @@
 </p:sld>
 </file>
 
-<file path=ppt/slides/slide7.xml><?xml version="1.0" encoding="utf-8"?>
+<file path=ppt/slides/slide6.xml><?xml version="1.0" encoding="utf-8"?>
 <p:sld xmlns:a="http://schemas.openxmlformats.org/drawingml/2006/main" xmlns:r="http://schemas.openxmlformats.org/officeDocument/2006/relationships" xmlns:p="http://schemas.openxmlformats.org/presentationml/2006/main">
   <p:cSld>
     <p:spTree>
@@ -4407,7 +4305,7 @@
 </p:sld>
 </file>
 
-<file path=ppt/slides/slide8.xml><?xml version="1.0" encoding="utf-8"?>
+<file path=ppt/slides/slide7.xml><?xml version="1.0" encoding="utf-8"?>
 <p:sld xmlns:a="http://schemas.openxmlformats.org/drawingml/2006/main" xmlns:r="http://schemas.openxmlformats.org/officeDocument/2006/relationships" xmlns:p="http://schemas.openxmlformats.org/presentationml/2006/main">
   <p:cSld>
     <p:spTree>
@@ -4500,6 +4398,156 @@
 </p:sld>
 </file>
 
+<file path=ppt/slides/slide8.xml><?xml version="1.0" encoding="utf-8"?>
+<p:sld xmlns:a="http://schemas.openxmlformats.org/drawingml/2006/main" xmlns:r="http://schemas.openxmlformats.org/officeDocument/2006/relationships" xmlns:p="http://schemas.openxmlformats.org/presentationml/2006/main">
+  <p:cSld>
+    <p:spTree>
+      <p:nvGrpSpPr>
+        <p:cNvPr id="1" name=""/>
+        <p:cNvGrpSpPr/>
+        <p:nvPr/>
+      </p:nvGrpSpPr>
+      <p:grpSpPr>
+        <a:xfrm>
+          <a:off x="0" y="0"/>
+          <a:ext cx="0" cy="0"/>
+          <a:chOff x="0" y="0"/>
+          <a:chExt cx="0" cy="0"/>
+        </a:xfrm>
+      </p:grpSpPr>
+      <p:sp>
+        <p:nvSpPr>
+          <p:cNvPr id="2" name="Title 1">
+            <a:extLst>
+              <a:ext uri="{FF2B5EF4-FFF2-40B4-BE49-F238E27FC236}">
+                <a16:creationId xmlns:a16="http://schemas.microsoft.com/office/drawing/2014/main" id="{9386DC67-D43E-61E7-346B-3503B1B688DB}"/>
+              </a:ext>
+            </a:extLst>
+          </p:cNvPr>
+          <p:cNvSpPr>
+            <a:spLocks noGrp="1"/>
+          </p:cNvSpPr>
+          <p:nvPr>
+            <p:ph type="title"/>
+          </p:nvPr>
+        </p:nvSpPr>
+        <p:spPr/>
+        <p:txBody>
+          <a:bodyPr/>
+          <a:lstStyle/>
+          <a:p>
+            <a:r>
+              <a:rPr lang="en-US" dirty="0"/>
+              <a:t>Conclusions</a:t>
+            </a:r>
+          </a:p>
+        </p:txBody>
+      </p:sp>
+      <p:sp>
+        <p:nvSpPr>
+          <p:cNvPr id="3" name="Content Placeholder 2">
+            <a:extLst>
+              <a:ext uri="{FF2B5EF4-FFF2-40B4-BE49-F238E27FC236}">
+                <a16:creationId xmlns:a16="http://schemas.microsoft.com/office/drawing/2014/main" id="{CD189C8E-241B-3897-B6BA-FA5157DE2B69}"/>
+              </a:ext>
+            </a:extLst>
+          </p:cNvPr>
+          <p:cNvSpPr>
+            <a:spLocks noGrp="1"/>
+          </p:cNvSpPr>
+          <p:nvPr>
+            <p:ph idx="1"/>
+          </p:nvPr>
+        </p:nvSpPr>
+        <p:spPr>
+          <a:xfrm>
+            <a:off x="838200" y="1825625"/>
+            <a:ext cx="10515600" cy="4667250"/>
+          </a:xfrm>
+        </p:spPr>
+        <p:txBody>
+          <a:bodyPr>
+            <a:normAutofit lnSpcReduction="10000"/>
+          </a:bodyPr>
+          <a:lstStyle/>
+          <a:p>
+            <a:pPr marL="0" indent="0">
+              <a:buNone/>
+            </a:pPr>
+            <a:r>
+              <a:rPr lang="en-US" dirty="0"/>
+              <a:t>Recommendations  for Microsoft:</a:t>
+            </a:r>
+          </a:p>
+          <a:p>
+            <a:r>
+              <a:rPr lang="en-US" dirty="0"/>
+              <a:t>Focus on Action ,Adventure , and Biography genres to increase potentials</a:t>
+            </a:r>
+          </a:p>
+          <a:p>
+            <a:r>
+              <a:rPr lang="en-US" dirty="0"/>
+              <a:t>Support genres decisions with market trends data  but also asses long term sustainability beyond blockbuster outliers</a:t>
+            </a:r>
+          </a:p>
+          <a:p>
+            <a:r>
+              <a:rPr lang="en-US" dirty="0"/>
+              <a:t>Consider highly rated and frequently voted titles as signal of appeal</a:t>
+            </a:r>
+          </a:p>
+          <a:p>
+            <a:pPr marL="0" indent="0">
+              <a:buNone/>
+            </a:pPr>
+            <a:r>
+              <a:rPr lang="en-US" dirty="0"/>
+              <a:t>Limitations</a:t>
+            </a:r>
+          </a:p>
+          <a:p>
+            <a:r>
+              <a:rPr lang="en-US" dirty="0"/>
+              <a:t>Data limited to films with complete financial  information</a:t>
+            </a:r>
+          </a:p>
+          <a:p>
+            <a:r>
+              <a:rPr lang="en-US" dirty="0"/>
+              <a:t>No access to production  budget or streaming metrics</a:t>
+            </a:r>
+          </a:p>
+          <a:p>
+            <a:pPr marL="0" indent="0">
+              <a:buNone/>
+            </a:pPr>
+            <a:r>
+              <a:rPr lang="en-US" dirty="0"/>
+              <a:t>Next Steps</a:t>
+            </a:r>
+          </a:p>
+          <a:p>
+            <a:r>
+              <a:rPr lang="en-US" dirty="0"/>
+              <a:t>Predict revenue using  regression models on cleaned features</a:t>
+            </a:r>
+          </a:p>
+        </p:txBody>
+      </p:sp>
+    </p:spTree>
+    <p:extLst>
+      <p:ext uri="{BB962C8B-B14F-4D97-AF65-F5344CB8AC3E}">
+        <p14:creationId xmlns:p14="http://schemas.microsoft.com/office/powerpoint/2010/main" val="1724046131"/>
+      </p:ext>
+    </p:extLst>
+  </p:cSld>
+  <p:clrMapOvr>
+    <a:masterClrMapping/>
+  </p:clrMapOvr>
+</p:sld>
+</file>
+
 <file path=ppt/slides/slide9.xml><?xml version="1.0" encoding="utf-8"?>
 <p:sld xmlns:a="http://schemas.openxmlformats.org/drawingml/2006/main" xmlns:r="http://schemas.openxmlformats.org/officeDocument/2006/relationships" xmlns:p="http://schemas.openxmlformats.org/presentationml/2006/main">
   <p:cSld>
@@ -4522,7 +4570,7 @@
           <p:cNvPr id="2" name="Title 1">
             <a:extLst>
               <a:ext uri="{FF2B5EF4-FFF2-40B4-BE49-F238E27FC236}">
-                <a16:creationId xmlns:a16="http://schemas.microsoft.com/office/drawing/2014/main" id="{9386DC67-D43E-61E7-346B-3503B1B688DB}"/>
+                <a16:creationId xmlns:a16="http://schemas.microsoft.com/office/drawing/2014/main" id="{87F2AF2D-018C-2B8F-8D58-FE803D5AC3F8}"/>
               </a:ext>
             </a:extLst>
           </p:cNvPr>
@@ -4540,7 +4588,7 @@
           <a:p>
             <a:r>
               <a:rPr lang="en-US" dirty="0"/>
-              <a:t>Conclusions</a:t>
+              <a:t>For more info:</a:t>
             </a:r>
           </a:p>
         </p:txBody>
@@ -4550,7 +4598,7 @@
           <p:cNvPr id="3" name="Content Placeholder 2">
             <a:extLst>
               <a:ext uri="{FF2B5EF4-FFF2-40B4-BE49-F238E27FC236}">
-                <a16:creationId xmlns:a16="http://schemas.microsoft.com/office/drawing/2014/main" id="{CD189C8E-241B-3897-B6BA-FA5157DE2B69}"/>
+                <a16:creationId xmlns:a16="http://schemas.microsoft.com/office/drawing/2014/main" id="{EFE04255-12A7-650D-F6D3-B5D56C26C4AA}"/>
               </a:ext>
             </a:extLst>
           </p:cNvPr>
@@ -4561,78 +4609,26 @@
             <p:ph idx="1"/>
           </p:nvPr>
         </p:nvSpPr>
-        <p:spPr>
-          <a:xfrm>
-            <a:off x="838200" y="1825625"/>
-            <a:ext cx="10515600" cy="4667250"/>
-          </a:xfrm>
-        </p:spPr>
-        <p:txBody>
-          <a:bodyPr>
-            <a:normAutofit lnSpcReduction="10000"/>
-          </a:bodyPr>
-          <a:lstStyle/>
-          <a:p>
-            <a:pPr marL="0" indent="0">
-              <a:buNone/>
-            </a:pPr>
+        <p:spPr/>
+        <p:txBody>
+          <a:bodyPr/>
+          <a:lstStyle/>
+          <a:p>
             <a:r>
               <a:rPr lang="en-US" dirty="0"/>
-              <a:t>Recommendations  for Microsoft:</a:t>
+              <a:t>Contact:</a:t>
             </a:r>
           </a:p>
           <a:p>
             <a:r>
               <a:rPr lang="en-US" dirty="0"/>
-              <a:t>Focus on Action ,Adventure , and Biography genres to increase potentials</a:t>
+              <a:t>Email[princevalentine879@gmail.com]</a:t>
             </a:r>
           </a:p>
           <a:p>
             <a:r>
               <a:rPr lang="en-US" dirty="0"/>
-              <a:t>Support genres decisions with market trends data  but also asses long term sustainability beyond blockbuster outliers</a:t>
-            </a:r>
-          </a:p>
-          <a:p>
-            <a:r>
-              <a:rPr lang="en-US" dirty="0"/>
-              <a:t>Consider highly rated and frequently voted titles as signal of appeal</a:t>
-            </a:r>
-          </a:p>
-          <a:p>
-            <a:pPr marL="0" indent="0">
-              <a:buNone/>
-            </a:pPr>
-            <a:r>
-              <a:rPr lang="en-US" dirty="0"/>
-              <a:t>Limitations</a:t>
-            </a:r>
-          </a:p>
-          <a:p>
-            <a:r>
-              <a:rPr lang="en-US" dirty="0"/>
-              <a:t>Data limited to films with complete financial  information</a:t>
-            </a:r>
-          </a:p>
-          <a:p>
-            <a:r>
-              <a:rPr lang="en-US" dirty="0"/>
-              <a:t>No access to production  budget or streaming metrics</a:t>
-            </a:r>
-          </a:p>
-          <a:p>
-            <a:pPr marL="0" indent="0">
-              <a:buNone/>
-            </a:pPr>
-            <a:r>
-              <a:rPr lang="en-US" dirty="0"/>
-              <a:t>Next Steps</a:t>
-            </a:r>
-          </a:p>
-          <a:p>
-            <a:r>
-              <a:rPr lang="en-US" dirty="0"/>
-              <a:t>Predict revenue using  regression models on cleaned features</a:t>
+              <a:t>Git Hub []</a:t>
             </a:r>
           </a:p>
         </p:txBody>
@@ -4640,7 +4636,7 @@
     </p:spTree>
     <p:extLst>
       <p:ext uri="{BB962C8B-B14F-4D97-AF65-F5344CB8AC3E}">
-        <p14:creationId xmlns:p14="http://schemas.microsoft.com/office/powerpoint/2010/main" val="1724046131"/>
+        <p14:creationId xmlns:p14="http://schemas.microsoft.com/office/powerpoint/2010/main" val="436835081"/>
       </p:ext>
     </p:extLst>
   </p:cSld>

--- a/Microsoft Movie Studio Market Analysis.pptx
+++ b/Microsoft Movie Studio Market Analysis.pptx
@@ -4,6 +4,9 @@
   <p:sldMasterIdLst>
     <p:sldMasterId id="2147483711" r:id="rId1"/>
   </p:sldMasterIdLst>
+  <p:notesMasterIdLst>
+    <p:notesMasterId r:id="rId15"/>
+  </p:notesMasterIdLst>
   <p:sldIdLst>
     <p:sldId id="256" r:id="rId2"/>
     <p:sldId id="257" r:id="rId3"/>
@@ -11,9 +14,13 @@
     <p:sldId id="259" r:id="rId5"/>
     <p:sldId id="260" r:id="rId6"/>
     <p:sldId id="261" r:id="rId7"/>
-    <p:sldId id="262" r:id="rId8"/>
-    <p:sldId id="263" r:id="rId9"/>
-    <p:sldId id="264" r:id="rId10"/>
+    <p:sldId id="266" r:id="rId8"/>
+    <p:sldId id="262" r:id="rId9"/>
+    <p:sldId id="267" r:id="rId10"/>
+    <p:sldId id="265" r:id="rId11"/>
+    <p:sldId id="268" r:id="rId12"/>
+    <p:sldId id="263" r:id="rId13"/>
+    <p:sldId id="264" r:id="rId14"/>
   </p:sldIdLst>
   <p:sldSz cx="12192000" cy="6858000"/>
   <p:notesSz cx="6858000" cy="9144000"/>
@@ -112,7 +119,445 @@
       </a:defRPr>
     </a:lvl9pPr>
   </p:defaultTextStyle>
+  <p:extLst>
+    <p:ext uri="{EFAFB233-063F-42B5-8137-9DF3F51BA10A}">
+      <p15:sldGuideLst xmlns:p15="http://schemas.microsoft.com/office/powerpoint/2012/main"/>
+    </p:ext>
+  </p:extLst>
 </p:presentation>
+</file>
+
+<file path=ppt/notesMasters/notesMaster1.xml><?xml version="1.0" encoding="utf-8"?>
+<p:notesMaster xmlns:a="http://schemas.openxmlformats.org/drawingml/2006/main" xmlns:r="http://schemas.openxmlformats.org/officeDocument/2006/relationships" xmlns:p="http://schemas.openxmlformats.org/presentationml/2006/main">
+  <p:cSld>
+    <p:bg>
+      <p:bgRef idx="1001">
+        <a:schemeClr val="bg1"/>
+      </p:bgRef>
+    </p:bg>
+    <p:spTree>
+      <p:nvGrpSpPr>
+        <p:cNvPr id="1" name=""/>
+        <p:cNvGrpSpPr/>
+        <p:nvPr/>
+      </p:nvGrpSpPr>
+      <p:grpSpPr>
+        <a:xfrm>
+          <a:off x="0" y="0"/>
+          <a:ext cx="0" cy="0"/>
+          <a:chOff x="0" y="0"/>
+          <a:chExt cx="0" cy="0"/>
+        </a:xfrm>
+      </p:grpSpPr>
+      <p:sp>
+        <p:nvSpPr>
+          <p:cNvPr id="2" name="Header Placeholder 1"/>
+          <p:cNvSpPr>
+            <a:spLocks noGrp="1"/>
+          </p:cNvSpPr>
+          <p:nvPr>
+            <p:ph type="hdr" sz="quarter"/>
+          </p:nvPr>
+        </p:nvSpPr>
+        <p:spPr>
+          <a:xfrm>
+            <a:off x="0" y="0"/>
+            <a:ext cx="2971800" cy="458788"/>
+          </a:xfrm>
+          <a:prstGeom prst="rect">
+            <a:avLst/>
+          </a:prstGeom>
+        </p:spPr>
+        <p:txBody>
+          <a:bodyPr vert="horz" lIns="91440" tIns="45720" rIns="91440" bIns="45720" rtlCol="0"/>
+          <a:lstStyle>
+            <a:lvl1pPr algn="l">
+              <a:defRPr sz="1200"/>
+            </a:lvl1pPr>
+          </a:lstStyle>
+          <a:p>
+            <a:endParaRPr lang="en-US"/>
+          </a:p>
+        </p:txBody>
+      </p:sp>
+      <p:sp>
+        <p:nvSpPr>
+          <p:cNvPr id="3" name="Date Placeholder 2"/>
+          <p:cNvSpPr>
+            <a:spLocks noGrp="1"/>
+          </p:cNvSpPr>
+          <p:nvPr>
+            <p:ph type="dt" idx="1"/>
+          </p:nvPr>
+        </p:nvSpPr>
+        <p:spPr>
+          <a:xfrm>
+            <a:off x="3884613" y="0"/>
+            <a:ext cx="2971800" cy="458788"/>
+          </a:xfrm>
+          <a:prstGeom prst="rect">
+            <a:avLst/>
+          </a:prstGeom>
+        </p:spPr>
+        <p:txBody>
+          <a:bodyPr vert="horz" lIns="91440" tIns="45720" rIns="91440" bIns="45720" rtlCol="0"/>
+          <a:lstStyle>
+            <a:lvl1pPr algn="r">
+              <a:defRPr sz="1200"/>
+            </a:lvl1pPr>
+          </a:lstStyle>
+          <a:p>
+            <a:fld id="{406363BA-7DAB-4322-AB38-DFF41A6834B9}" type="datetimeFigureOut">
+              <a:rPr lang="en-US" smtClean="0"/>
+              <a:t>8/6/2025</a:t>
+            </a:fld>
+            <a:endParaRPr lang="en-US"/>
+          </a:p>
+        </p:txBody>
+      </p:sp>
+      <p:sp>
+        <p:nvSpPr>
+          <p:cNvPr id="4" name="Slide Image Placeholder 3"/>
+          <p:cNvSpPr>
+            <a:spLocks noGrp="1" noRot="1" noChangeAspect="1"/>
+          </p:cNvSpPr>
+          <p:nvPr>
+            <p:ph type="sldImg" idx="2"/>
+          </p:nvPr>
+        </p:nvSpPr>
+        <p:spPr>
+          <a:xfrm>
+            <a:off x="685800" y="1143000"/>
+            <a:ext cx="5486400" cy="3086100"/>
+          </a:xfrm>
+          <a:prstGeom prst="rect">
+            <a:avLst/>
+          </a:prstGeom>
+          <a:noFill/>
+          <a:ln w="12700">
+            <a:solidFill>
+              <a:prstClr val="black"/>
+            </a:solidFill>
+          </a:ln>
+        </p:spPr>
+        <p:txBody>
+          <a:bodyPr vert="horz" lIns="91440" tIns="45720" rIns="91440" bIns="45720" rtlCol="0" anchor="ctr"/>
+          <a:lstStyle/>
+          <a:p>
+            <a:endParaRPr lang="en-US"/>
+          </a:p>
+        </p:txBody>
+      </p:sp>
+      <p:sp>
+        <p:nvSpPr>
+          <p:cNvPr id="5" name="Notes Placeholder 4"/>
+          <p:cNvSpPr>
+            <a:spLocks noGrp="1"/>
+          </p:cNvSpPr>
+          <p:nvPr>
+            <p:ph type="body" sz="quarter" idx="3"/>
+          </p:nvPr>
+        </p:nvSpPr>
+        <p:spPr>
+          <a:xfrm>
+            <a:off x="685800" y="4400550"/>
+            <a:ext cx="5486400" cy="3600450"/>
+          </a:xfrm>
+          <a:prstGeom prst="rect">
+            <a:avLst/>
+          </a:prstGeom>
+        </p:spPr>
+        <p:txBody>
+          <a:bodyPr vert="horz" lIns="91440" tIns="45720" rIns="91440" bIns="45720" rtlCol="0"/>
+          <a:lstStyle/>
+          <a:p>
+            <a:pPr lvl="0"/>
+            <a:r>
+              <a:rPr lang="en-US"/>
+              <a:t>Click to edit Master text styles</a:t>
+            </a:r>
+          </a:p>
+          <a:p>
+            <a:pPr lvl="1"/>
+            <a:r>
+              <a:rPr lang="en-US"/>
+              <a:t>Second level</a:t>
+            </a:r>
+          </a:p>
+          <a:p>
+            <a:pPr lvl="2"/>
+            <a:r>
+              <a:rPr lang="en-US"/>
+              <a:t>Third level</a:t>
+            </a:r>
+          </a:p>
+          <a:p>
+            <a:pPr lvl="3"/>
+            <a:r>
+              <a:rPr lang="en-US"/>
+              <a:t>Fourth level</a:t>
+            </a:r>
+          </a:p>
+          <a:p>
+            <a:pPr lvl="4"/>
+            <a:r>
+              <a:rPr lang="en-US"/>
+              <a:t>Fifth level</a:t>
+            </a:r>
+          </a:p>
+        </p:txBody>
+      </p:sp>
+      <p:sp>
+        <p:nvSpPr>
+          <p:cNvPr id="6" name="Footer Placeholder 5"/>
+          <p:cNvSpPr>
+            <a:spLocks noGrp="1"/>
+          </p:cNvSpPr>
+          <p:nvPr>
+            <p:ph type="ftr" sz="quarter" idx="4"/>
+          </p:nvPr>
+        </p:nvSpPr>
+        <p:spPr>
+          <a:xfrm>
+            <a:off x="0" y="8685213"/>
+            <a:ext cx="2971800" cy="458787"/>
+          </a:xfrm>
+          <a:prstGeom prst="rect">
+            <a:avLst/>
+          </a:prstGeom>
+        </p:spPr>
+        <p:txBody>
+          <a:bodyPr vert="horz" lIns="91440" tIns="45720" rIns="91440" bIns="45720" rtlCol="0" anchor="b"/>
+          <a:lstStyle>
+            <a:lvl1pPr algn="l">
+              <a:defRPr sz="1200"/>
+            </a:lvl1pPr>
+          </a:lstStyle>
+          <a:p>
+            <a:endParaRPr lang="en-US"/>
+          </a:p>
+        </p:txBody>
+      </p:sp>
+      <p:sp>
+        <p:nvSpPr>
+          <p:cNvPr id="7" name="Slide Number Placeholder 6"/>
+          <p:cNvSpPr>
+            <a:spLocks noGrp="1"/>
+          </p:cNvSpPr>
+          <p:nvPr>
+            <p:ph type="sldNum" sz="quarter" idx="5"/>
+          </p:nvPr>
+        </p:nvSpPr>
+        <p:spPr>
+          <a:xfrm>
+            <a:off x="3884613" y="8685213"/>
+            <a:ext cx="2971800" cy="458787"/>
+          </a:xfrm>
+          <a:prstGeom prst="rect">
+            <a:avLst/>
+          </a:prstGeom>
+        </p:spPr>
+        <p:txBody>
+          <a:bodyPr vert="horz" lIns="91440" tIns="45720" rIns="91440" bIns="45720" rtlCol="0" anchor="b"/>
+          <a:lstStyle>
+            <a:lvl1pPr algn="r">
+              <a:defRPr sz="1200"/>
+            </a:lvl1pPr>
+          </a:lstStyle>
+          <a:p>
+            <a:fld id="{72D30287-B53C-4649-9477-6B50E49B9A50}" type="slidenum">
+              <a:rPr lang="en-US" smtClean="0"/>
+              <a:t>‹#›</a:t>
+            </a:fld>
+            <a:endParaRPr lang="en-US"/>
+          </a:p>
+        </p:txBody>
+      </p:sp>
+    </p:spTree>
+    <p:extLst>
+      <p:ext uri="{BB962C8B-B14F-4D97-AF65-F5344CB8AC3E}">
+        <p14:creationId xmlns:p14="http://schemas.microsoft.com/office/powerpoint/2010/main" val="740679637"/>
+      </p:ext>
+    </p:extLst>
+  </p:cSld>
+  <p:clrMap bg1="lt1" tx1="dk1" bg2="lt2" tx2="dk2" accent1="accent1" accent2="accent2" accent3="accent3" accent4="accent4" accent5="accent5" accent6="accent6" hlink="hlink" folHlink="folHlink"/>
+  <p:notesStyle>
+    <a:lvl1pPr marL="0" algn="l" defTabSz="914400" rtl="0" eaLnBrk="1" latinLnBrk="0" hangingPunct="1">
+      <a:defRPr sz="1200" kern="1200">
+        <a:solidFill>
+          <a:schemeClr val="tx1"/>
+        </a:solidFill>
+        <a:latin typeface="+mn-lt"/>
+        <a:ea typeface="+mn-ea"/>
+        <a:cs typeface="+mn-cs"/>
+      </a:defRPr>
+    </a:lvl1pPr>
+    <a:lvl2pPr marL="457200" algn="l" defTabSz="914400" rtl="0" eaLnBrk="1" latinLnBrk="0" hangingPunct="1">
+      <a:defRPr sz="1200" kern="1200">
+        <a:solidFill>
+          <a:schemeClr val="tx1"/>
+        </a:solidFill>
+        <a:latin typeface="+mn-lt"/>
+        <a:ea typeface="+mn-ea"/>
+        <a:cs typeface="+mn-cs"/>
+      </a:defRPr>
+    </a:lvl2pPr>
+    <a:lvl3pPr marL="914400" algn="l" defTabSz="914400" rtl="0" eaLnBrk="1" latinLnBrk="0" hangingPunct="1">
+      <a:defRPr sz="1200" kern="1200">
+        <a:solidFill>
+          <a:schemeClr val="tx1"/>
+        </a:solidFill>
+        <a:latin typeface="+mn-lt"/>
+        <a:ea typeface="+mn-ea"/>
+        <a:cs typeface="+mn-cs"/>
+      </a:defRPr>
+    </a:lvl3pPr>
+    <a:lvl4pPr marL="1371600" algn="l" defTabSz="914400" rtl="0" eaLnBrk="1" latinLnBrk="0" hangingPunct="1">
+      <a:defRPr sz="1200" kern="1200">
+        <a:solidFill>
+          <a:schemeClr val="tx1"/>
+        </a:solidFill>
+        <a:latin typeface="+mn-lt"/>
+        <a:ea typeface="+mn-ea"/>
+        <a:cs typeface="+mn-cs"/>
+      </a:defRPr>
+    </a:lvl4pPr>
+    <a:lvl5pPr marL="1828800" algn="l" defTabSz="914400" rtl="0" eaLnBrk="1" latinLnBrk="0" hangingPunct="1">
+      <a:defRPr sz="1200" kern="1200">
+        <a:solidFill>
+          <a:schemeClr val="tx1"/>
+        </a:solidFill>
+        <a:latin typeface="+mn-lt"/>
+        <a:ea typeface="+mn-ea"/>
+        <a:cs typeface="+mn-cs"/>
+      </a:defRPr>
+    </a:lvl5pPr>
+    <a:lvl6pPr marL="2286000" algn="l" defTabSz="914400" rtl="0" eaLnBrk="1" latinLnBrk="0" hangingPunct="1">
+      <a:defRPr sz="1200" kern="1200">
+        <a:solidFill>
+          <a:schemeClr val="tx1"/>
+        </a:solidFill>
+        <a:latin typeface="+mn-lt"/>
+        <a:ea typeface="+mn-ea"/>
+        <a:cs typeface="+mn-cs"/>
+      </a:defRPr>
+    </a:lvl6pPr>
+    <a:lvl7pPr marL="2743200" algn="l" defTabSz="914400" rtl="0" eaLnBrk="1" latinLnBrk="0" hangingPunct="1">
+      <a:defRPr sz="1200" kern="1200">
+        <a:solidFill>
+          <a:schemeClr val="tx1"/>
+        </a:solidFill>
+        <a:latin typeface="+mn-lt"/>
+        <a:ea typeface="+mn-ea"/>
+        <a:cs typeface="+mn-cs"/>
+      </a:defRPr>
+    </a:lvl7pPr>
+    <a:lvl8pPr marL="3200400" algn="l" defTabSz="914400" rtl="0" eaLnBrk="1" latinLnBrk="0" hangingPunct="1">
+      <a:defRPr sz="1200" kern="1200">
+        <a:solidFill>
+          <a:schemeClr val="tx1"/>
+        </a:solidFill>
+        <a:latin typeface="+mn-lt"/>
+        <a:ea typeface="+mn-ea"/>
+        <a:cs typeface="+mn-cs"/>
+      </a:defRPr>
+    </a:lvl8pPr>
+    <a:lvl9pPr marL="3657600" algn="l" defTabSz="914400" rtl="0" eaLnBrk="1" latinLnBrk="0" hangingPunct="1">
+      <a:defRPr sz="1200" kern="1200">
+        <a:solidFill>
+          <a:schemeClr val="tx1"/>
+        </a:solidFill>
+        <a:latin typeface="+mn-lt"/>
+        <a:ea typeface="+mn-ea"/>
+        <a:cs typeface="+mn-cs"/>
+      </a:defRPr>
+    </a:lvl9pPr>
+  </p:notesStyle>
+</p:notesMaster>
+</file>
+
+<file path=ppt/notesSlides/notesSlide1.xml><?xml version="1.0" encoding="utf-8"?>
+<p:notes xmlns:a="http://schemas.openxmlformats.org/drawingml/2006/main" xmlns:r="http://schemas.openxmlformats.org/officeDocument/2006/relationships" xmlns:p="http://schemas.openxmlformats.org/presentationml/2006/main">
+  <p:cSld>
+    <p:spTree>
+      <p:nvGrpSpPr>
+        <p:cNvPr id="1" name=""/>
+        <p:cNvGrpSpPr/>
+        <p:nvPr/>
+      </p:nvGrpSpPr>
+      <p:grpSpPr>
+        <a:xfrm>
+          <a:off x="0" y="0"/>
+          <a:ext cx="0" cy="0"/>
+          <a:chOff x="0" y="0"/>
+          <a:chExt cx="0" cy="0"/>
+        </a:xfrm>
+      </p:grpSpPr>
+      <p:sp>
+        <p:nvSpPr>
+          <p:cNvPr id="2" name="Slide Image Placeholder 1"/>
+          <p:cNvSpPr>
+            <a:spLocks noGrp="1" noRot="1" noChangeAspect="1"/>
+          </p:cNvSpPr>
+          <p:nvPr>
+            <p:ph type="sldImg"/>
+          </p:nvPr>
+        </p:nvSpPr>
+        <p:spPr/>
+      </p:sp>
+      <p:sp>
+        <p:nvSpPr>
+          <p:cNvPr id="3" name="Notes Placeholder 2"/>
+          <p:cNvSpPr>
+            <a:spLocks noGrp="1"/>
+          </p:cNvSpPr>
+          <p:nvPr>
+            <p:ph type="body" idx="1"/>
+          </p:nvPr>
+        </p:nvSpPr>
+        <p:spPr/>
+        <p:txBody>
+          <a:bodyPr/>
+          <a:lstStyle/>
+          <a:p>
+            <a:endParaRPr lang="en-US" dirty="0"/>
+          </a:p>
+        </p:txBody>
+      </p:sp>
+      <p:sp>
+        <p:nvSpPr>
+          <p:cNvPr id="4" name="Slide Number Placeholder 3"/>
+          <p:cNvSpPr>
+            <a:spLocks noGrp="1"/>
+          </p:cNvSpPr>
+          <p:nvPr>
+            <p:ph type="sldNum" sz="quarter" idx="5"/>
+          </p:nvPr>
+        </p:nvSpPr>
+        <p:spPr/>
+        <p:txBody>
+          <a:bodyPr/>
+          <a:lstStyle/>
+          <a:p>
+            <a:fld id="{72D30287-B53C-4649-9477-6B50E49B9A50}" type="slidenum">
+              <a:rPr lang="en-US" smtClean="0"/>
+              <a:t>7</a:t>
+            </a:fld>
+            <a:endParaRPr lang="en-US"/>
+          </a:p>
+        </p:txBody>
+      </p:sp>
+    </p:spTree>
+    <p:extLst>
+      <p:ext uri="{BB962C8B-B14F-4D97-AF65-F5344CB8AC3E}">
+        <p14:creationId xmlns:p14="http://schemas.microsoft.com/office/powerpoint/2010/main" val="797411480"/>
+      </p:ext>
+    </p:extLst>
+  </p:cSld>
+  <p:clrMapOvr>
+    <a:masterClrMapping/>
+  </p:clrMapOvr>
+</p:notes>
 </file>
 
 <file path=ppt/slideLayouts/slideLayout1.xml><?xml version="1.0" encoding="utf-8"?>
@@ -254,7 +699,7 @@
           <a:p>
             <a:fld id="{7862FAF1-5F77-4467-8AEF-78A025B243B9}" type="datetimeFigureOut">
               <a:rPr lang="en-US" smtClean="0"/>
-              <a:t>7/30/2025</a:t>
+              <a:t>8/6/2025</a:t>
             </a:fld>
             <a:endParaRPr lang="en-US"/>
           </a:p>
@@ -465,7 +910,7 @@
           <a:p>
             <a:fld id="{7862FAF1-5F77-4467-8AEF-78A025B243B9}" type="datetimeFigureOut">
               <a:rPr lang="en-US" smtClean="0"/>
-              <a:t>7/30/2025</a:t>
+              <a:t>8/6/2025</a:t>
             </a:fld>
             <a:endParaRPr lang="en-US"/>
           </a:p>
@@ -680,7 +1125,7 @@
           <a:p>
             <a:fld id="{7862FAF1-5F77-4467-8AEF-78A025B243B9}" type="datetimeFigureOut">
               <a:rPr lang="en-US" smtClean="0"/>
-              <a:t>7/30/2025</a:t>
+              <a:t>8/6/2025</a:t>
             </a:fld>
             <a:endParaRPr lang="en-US"/>
           </a:p>
@@ -881,7 +1326,7 @@
           <a:p>
             <a:fld id="{7862FAF1-5F77-4467-8AEF-78A025B243B9}" type="datetimeFigureOut">
               <a:rPr lang="en-US" smtClean="0"/>
-              <a:t>7/30/2025</a:t>
+              <a:t>8/6/2025</a:t>
             </a:fld>
             <a:endParaRPr lang="en-US"/>
           </a:p>
@@ -1160,7 +1605,7 @@
           <a:p>
             <a:fld id="{7862FAF1-5F77-4467-8AEF-78A025B243B9}" type="datetimeFigureOut">
               <a:rPr lang="en-US" smtClean="0"/>
-              <a:t>7/30/2025</a:t>
+              <a:t>8/6/2025</a:t>
             </a:fld>
             <a:endParaRPr lang="en-US"/>
           </a:p>
@@ -1428,7 +1873,7 @@
           <a:p>
             <a:fld id="{7862FAF1-5F77-4467-8AEF-78A025B243B9}" type="datetimeFigureOut">
               <a:rPr lang="en-US" smtClean="0"/>
-              <a:t>7/30/2025</a:t>
+              <a:t>8/6/2025</a:t>
             </a:fld>
             <a:endParaRPr lang="en-US"/>
           </a:p>
@@ -1844,7 +2289,7 @@
           <a:p>
             <a:fld id="{7862FAF1-5F77-4467-8AEF-78A025B243B9}" type="datetimeFigureOut">
               <a:rPr lang="en-US" smtClean="0"/>
-              <a:t>7/30/2025</a:t>
+              <a:t>8/6/2025</a:t>
             </a:fld>
             <a:endParaRPr lang="en-US"/>
           </a:p>
@@ -1993,7 +2438,7 @@
           <a:p>
             <a:fld id="{7862FAF1-5F77-4467-8AEF-78A025B243B9}" type="datetimeFigureOut">
               <a:rPr lang="en-US" smtClean="0"/>
-              <a:t>7/30/2025</a:t>
+              <a:t>8/6/2025</a:t>
             </a:fld>
             <a:endParaRPr lang="en-US"/>
           </a:p>
@@ -2119,7 +2564,7 @@
           <a:p>
             <a:fld id="{7862FAF1-5F77-4467-8AEF-78A025B243B9}" type="datetimeFigureOut">
               <a:rPr lang="en-US" smtClean="0"/>
-              <a:t>7/30/2025</a:t>
+              <a:t>8/6/2025</a:t>
             </a:fld>
             <a:endParaRPr lang="en-US"/>
           </a:p>
@@ -2370,7 +2815,7 @@
           <a:p>
             <a:fld id="{7862FAF1-5F77-4467-8AEF-78A025B243B9}" type="datetimeFigureOut">
               <a:rPr lang="en-US" smtClean="0"/>
-              <a:t>7/30/2025</a:t>
+              <a:t>8/6/2025</a:t>
             </a:fld>
             <a:endParaRPr lang="en-US"/>
           </a:p>
@@ -2815,7 +3260,7 @@
           <a:p>
             <a:fld id="{7862FAF1-5F77-4467-8AEF-78A025B243B9}" type="datetimeFigureOut">
               <a:rPr lang="en-US" smtClean="0"/>
-              <a:t>7/30/2025</a:t>
+              <a:t>8/6/2025</a:t>
             </a:fld>
             <a:endParaRPr lang="en-US"/>
           </a:p>
@@ -3142,7 +3587,7 @@
           <a:p>
             <a:fld id="{7862FAF1-5F77-4467-8AEF-78A025B243B9}" type="datetimeFigureOut">
               <a:rPr lang="en-US" smtClean="0"/>
-              <a:t>7/30/2025</a:t>
+              <a:t>8/6/2025</a:t>
             </a:fld>
             <a:endParaRPr lang="en-US"/>
           </a:p>
@@ -3703,6 +4148,461 @@
 </p:sld>
 </file>
 
+<file path=ppt/slides/slide10.xml><?xml version="1.0" encoding="utf-8"?>
+<p:sld xmlns:a="http://schemas.openxmlformats.org/drawingml/2006/main" xmlns:r="http://schemas.openxmlformats.org/officeDocument/2006/relationships" xmlns:p="http://schemas.openxmlformats.org/presentationml/2006/main">
+  <p:cSld>
+    <p:spTree>
+      <p:nvGrpSpPr>
+        <p:cNvPr id="1" name=""/>
+        <p:cNvGrpSpPr/>
+        <p:nvPr/>
+      </p:nvGrpSpPr>
+      <p:grpSpPr>
+        <a:xfrm>
+          <a:off x="0" y="0"/>
+          <a:ext cx="0" cy="0"/>
+          <a:chOff x="0" y="0"/>
+          <a:chExt cx="0" cy="0"/>
+        </a:xfrm>
+      </p:grpSpPr>
+      <p:sp>
+        <p:nvSpPr>
+          <p:cNvPr id="2" name="Title 1">
+            <a:extLst>
+              <a:ext uri="{FF2B5EF4-FFF2-40B4-BE49-F238E27FC236}">
+                <a16:creationId xmlns:a16="http://schemas.microsoft.com/office/drawing/2014/main" id="{18E4C652-6E9A-296C-D98B-7C3124879258}"/>
+              </a:ext>
+            </a:extLst>
+          </p:cNvPr>
+          <p:cNvSpPr>
+            <a:spLocks noGrp="1"/>
+          </p:cNvSpPr>
+          <p:nvPr>
+            <p:ph type="title"/>
+          </p:nvPr>
+        </p:nvSpPr>
+        <p:spPr/>
+        <p:txBody>
+          <a:bodyPr/>
+          <a:lstStyle/>
+          <a:p>
+            <a:r>
+              <a:rPr lang="en-US" dirty="0"/>
+              <a:t>Scatter plot</a:t>
+            </a:r>
+          </a:p>
+        </p:txBody>
+      </p:sp>
+      <p:sp>
+        <p:nvSpPr>
+          <p:cNvPr id="3" name="Content Placeholder 2">
+            <a:extLst>
+              <a:ext uri="{FF2B5EF4-FFF2-40B4-BE49-F238E27FC236}">
+                <a16:creationId xmlns:a16="http://schemas.microsoft.com/office/drawing/2014/main" id="{50D9557F-9B5F-1640-A4A6-B0C80EC88A0D}"/>
+              </a:ext>
+            </a:extLst>
+          </p:cNvPr>
+          <p:cNvSpPr>
+            <a:spLocks noGrp="1"/>
+          </p:cNvSpPr>
+          <p:nvPr>
+            <p:ph idx="1"/>
+          </p:nvPr>
+        </p:nvSpPr>
+        <p:spPr>
+          <a:xfrm>
+            <a:off x="1451579" y="2015733"/>
+            <a:ext cx="9603275" cy="2815060"/>
+          </a:xfrm>
+        </p:spPr>
+        <p:txBody>
+          <a:bodyPr>
+            <a:normAutofit lnSpcReduction="10000"/>
+          </a:bodyPr>
+          <a:lstStyle/>
+          <a:p>
+            <a:r>
+              <a:rPr lang="en-US" dirty="0"/>
+              <a:t>There is positive correlation between total gross and number of vote </a:t>
+            </a:r>
+            <a:r>
+              <a:rPr lang="en-US" dirty="0" err="1"/>
+              <a:t>eventhough</a:t>
+            </a:r>
+            <a:r>
+              <a:rPr lang="en-US" dirty="0"/>
+              <a:t> it is not that linear . This suggest that some moves may be highly voted but still earn lowest total gross</a:t>
+            </a:r>
+          </a:p>
+          <a:p>
+            <a:r>
+              <a:rPr lang="en-US" dirty="0"/>
+              <a:t>Genres like action adventures are spread across the whole plot making them the most suitable for commercial</a:t>
+            </a:r>
+          </a:p>
+          <a:p>
+            <a:r>
+              <a:rPr lang="en-US" dirty="0"/>
+              <a:t>The bottom left conner is most dense showing that films with lower number of votes are likely to have low total gross</a:t>
+            </a:r>
+          </a:p>
+          <a:p>
+            <a:endParaRPr lang="en-US" dirty="0"/>
+          </a:p>
+        </p:txBody>
+      </p:sp>
+    </p:spTree>
+    <p:extLst>
+      <p:ext uri="{BB962C8B-B14F-4D97-AF65-F5344CB8AC3E}">
+        <p14:creationId xmlns:p14="http://schemas.microsoft.com/office/powerpoint/2010/main" val="4062724141"/>
+      </p:ext>
+    </p:extLst>
+  </p:cSld>
+  <p:clrMapOvr>
+    <a:masterClrMapping/>
+  </p:clrMapOvr>
+</p:sld>
+</file>
+
+<file path=ppt/slides/slide11.xml><?xml version="1.0" encoding="utf-8"?>
+<p:sld xmlns:a="http://schemas.openxmlformats.org/drawingml/2006/main" xmlns:r="http://schemas.openxmlformats.org/officeDocument/2006/relationships" xmlns:p="http://schemas.openxmlformats.org/presentationml/2006/main">
+  <p:cSld>
+    <p:spTree>
+      <p:nvGrpSpPr>
+        <p:cNvPr id="1" name=""/>
+        <p:cNvGrpSpPr/>
+        <p:nvPr/>
+      </p:nvGrpSpPr>
+      <p:grpSpPr>
+        <a:xfrm>
+          <a:off x="0" y="0"/>
+          <a:ext cx="0" cy="0"/>
+          <a:chOff x="0" y="0"/>
+          <a:chExt cx="0" cy="0"/>
+        </a:xfrm>
+      </p:grpSpPr>
+      <p:sp>
+        <p:nvSpPr>
+          <p:cNvPr id="2" name="Title 1">
+            <a:extLst>
+              <a:ext uri="{FF2B5EF4-FFF2-40B4-BE49-F238E27FC236}">
+                <a16:creationId xmlns:a16="http://schemas.microsoft.com/office/drawing/2014/main" id="{E12E6FB0-5661-4411-A434-6CE2481506A6}"/>
+              </a:ext>
+            </a:extLst>
+          </p:cNvPr>
+          <p:cNvSpPr>
+            <a:spLocks noGrp="1"/>
+          </p:cNvSpPr>
+          <p:nvPr>
+            <p:ph type="title"/>
+          </p:nvPr>
+        </p:nvSpPr>
+        <p:spPr/>
+        <p:txBody>
+          <a:bodyPr/>
+          <a:lstStyle/>
+          <a:p>
+            <a:r>
+              <a:rPr lang="en-US" dirty="0"/>
+              <a:t>Bar plot</a:t>
+            </a:r>
+          </a:p>
+        </p:txBody>
+      </p:sp>
+      <p:sp>
+        <p:nvSpPr>
+          <p:cNvPr id="3" name="Content Placeholder 2">
+            <a:extLst>
+              <a:ext uri="{FF2B5EF4-FFF2-40B4-BE49-F238E27FC236}">
+                <a16:creationId xmlns:a16="http://schemas.microsoft.com/office/drawing/2014/main" id="{646A5B37-C120-4AC9-2AF7-A3B43697E680}"/>
+              </a:ext>
+            </a:extLst>
+          </p:cNvPr>
+          <p:cNvSpPr>
+            <a:spLocks noGrp="1"/>
+          </p:cNvSpPr>
+          <p:nvPr>
+            <p:ph idx="1"/>
+          </p:nvPr>
+        </p:nvSpPr>
+        <p:spPr/>
+        <p:txBody>
+          <a:bodyPr/>
+          <a:lstStyle/>
+          <a:p>
+            <a:r>
+              <a:rPr lang="en-US" dirty="0"/>
+              <a:t>The bar plot clearly shows to us that over the years adventure and action genres have been the best performing  films  generally  this suggesting that they are the best for </a:t>
+            </a:r>
+            <a:r>
+              <a:rPr lang="en-US" dirty="0" err="1"/>
+              <a:t>comercial</a:t>
+            </a:r>
+            <a:endParaRPr lang="en-US" dirty="0"/>
+          </a:p>
+        </p:txBody>
+      </p:sp>
+    </p:spTree>
+    <p:extLst>
+      <p:ext uri="{BB962C8B-B14F-4D97-AF65-F5344CB8AC3E}">
+        <p14:creationId xmlns:p14="http://schemas.microsoft.com/office/powerpoint/2010/main" val="996145210"/>
+      </p:ext>
+    </p:extLst>
+  </p:cSld>
+  <p:clrMapOvr>
+    <a:masterClrMapping/>
+  </p:clrMapOvr>
+</p:sld>
+</file>
+
+<file path=ppt/slides/slide12.xml><?xml version="1.0" encoding="utf-8"?>
+<p:sld xmlns:a="http://schemas.openxmlformats.org/drawingml/2006/main" xmlns:r="http://schemas.openxmlformats.org/officeDocument/2006/relationships" xmlns:p="http://schemas.openxmlformats.org/presentationml/2006/main">
+  <p:cSld>
+    <p:spTree>
+      <p:nvGrpSpPr>
+        <p:cNvPr id="1" name=""/>
+        <p:cNvGrpSpPr/>
+        <p:nvPr/>
+      </p:nvGrpSpPr>
+      <p:grpSpPr>
+        <a:xfrm>
+          <a:off x="0" y="0"/>
+          <a:ext cx="0" cy="0"/>
+          <a:chOff x="0" y="0"/>
+          <a:chExt cx="0" cy="0"/>
+        </a:xfrm>
+      </p:grpSpPr>
+      <p:sp>
+        <p:nvSpPr>
+          <p:cNvPr id="2" name="Title 1">
+            <a:extLst>
+              <a:ext uri="{FF2B5EF4-FFF2-40B4-BE49-F238E27FC236}">
+                <a16:creationId xmlns:a16="http://schemas.microsoft.com/office/drawing/2014/main" id="{9386DC67-D43E-61E7-346B-3503B1B688DB}"/>
+              </a:ext>
+            </a:extLst>
+          </p:cNvPr>
+          <p:cNvSpPr>
+            <a:spLocks noGrp="1"/>
+          </p:cNvSpPr>
+          <p:nvPr>
+            <p:ph type="title"/>
+          </p:nvPr>
+        </p:nvSpPr>
+        <p:spPr/>
+        <p:txBody>
+          <a:bodyPr/>
+          <a:lstStyle/>
+          <a:p>
+            <a:r>
+              <a:rPr lang="en-US" dirty="0"/>
+              <a:t>Conclusions</a:t>
+            </a:r>
+          </a:p>
+        </p:txBody>
+      </p:sp>
+      <p:sp>
+        <p:nvSpPr>
+          <p:cNvPr id="3" name="Content Placeholder 2">
+            <a:extLst>
+              <a:ext uri="{FF2B5EF4-FFF2-40B4-BE49-F238E27FC236}">
+                <a16:creationId xmlns:a16="http://schemas.microsoft.com/office/drawing/2014/main" id="{CD189C8E-241B-3897-B6BA-FA5157DE2B69}"/>
+              </a:ext>
+            </a:extLst>
+          </p:cNvPr>
+          <p:cNvSpPr>
+            <a:spLocks noGrp="1"/>
+          </p:cNvSpPr>
+          <p:nvPr>
+            <p:ph idx="1"/>
+          </p:nvPr>
+        </p:nvSpPr>
+        <p:spPr>
+          <a:xfrm>
+            <a:off x="838200" y="1379095"/>
+            <a:ext cx="10515600" cy="5141626"/>
+          </a:xfrm>
+        </p:spPr>
+        <p:txBody>
+          <a:bodyPr>
+            <a:normAutofit/>
+          </a:bodyPr>
+          <a:lstStyle/>
+          <a:p>
+            <a:pPr marL="0" indent="0">
+              <a:buNone/>
+            </a:pPr>
+            <a:r>
+              <a:rPr lang="en-US" dirty="0"/>
+              <a:t>Recommendations  for Microsoft:</a:t>
+            </a:r>
+          </a:p>
+          <a:p>
+            <a:r>
+              <a:rPr lang="en-US" dirty="0"/>
+              <a:t>Focus on Action ,Adventure , and Biography genres to increase potentials</a:t>
+            </a:r>
+          </a:p>
+          <a:p>
+            <a:r>
+              <a:rPr lang="en-US" dirty="0"/>
+              <a:t>Support genres decisions with market trends data  but also asses long term sustainability beyond blockbuster outliers</a:t>
+            </a:r>
+          </a:p>
+          <a:p>
+            <a:r>
+              <a:rPr lang="en-US" dirty="0"/>
+              <a:t>Consider highly rated and frequently voted titles as signal of appeal</a:t>
+            </a:r>
+          </a:p>
+          <a:p>
+            <a:pPr marL="0" indent="0">
+              <a:buNone/>
+            </a:pPr>
+            <a:r>
+              <a:rPr lang="en-US" dirty="0"/>
+              <a:t>Limitations</a:t>
+            </a:r>
+          </a:p>
+          <a:p>
+            <a:r>
+              <a:rPr lang="en-US" dirty="0"/>
+              <a:t>Data limited to films with complete financial  information</a:t>
+            </a:r>
+          </a:p>
+          <a:p>
+            <a:r>
+              <a:rPr lang="en-US" dirty="0"/>
+              <a:t>No access to production  budget or streaming metrics</a:t>
+            </a:r>
+          </a:p>
+          <a:p>
+            <a:pPr marL="0" indent="0">
+              <a:buNone/>
+            </a:pPr>
+            <a:r>
+              <a:rPr lang="en-US" dirty="0"/>
+              <a:t>Next Steps</a:t>
+            </a:r>
+          </a:p>
+          <a:p>
+            <a:r>
+              <a:rPr lang="en-US" dirty="0"/>
+              <a:t>Predict revenue using  regression models on cleaned features</a:t>
+            </a:r>
+          </a:p>
+        </p:txBody>
+      </p:sp>
+    </p:spTree>
+    <p:extLst>
+      <p:ext uri="{BB962C8B-B14F-4D97-AF65-F5344CB8AC3E}">
+        <p14:creationId xmlns:p14="http://schemas.microsoft.com/office/powerpoint/2010/main" val="1724046131"/>
+      </p:ext>
+    </p:extLst>
+  </p:cSld>
+  <p:clrMapOvr>
+    <a:masterClrMapping/>
+  </p:clrMapOvr>
+</p:sld>
+</file>
+
+<file path=ppt/slides/slide13.xml><?xml version="1.0" encoding="utf-8"?>
+<p:sld xmlns:a="http://schemas.openxmlformats.org/drawingml/2006/main" xmlns:r="http://schemas.openxmlformats.org/officeDocument/2006/relationships" xmlns:p="http://schemas.openxmlformats.org/presentationml/2006/main">
+  <p:cSld>
+    <p:spTree>
+      <p:nvGrpSpPr>
+        <p:cNvPr id="1" name=""/>
+        <p:cNvGrpSpPr/>
+        <p:nvPr/>
+      </p:nvGrpSpPr>
+      <p:grpSpPr>
+        <a:xfrm>
+          <a:off x="0" y="0"/>
+          <a:ext cx="0" cy="0"/>
+          <a:chOff x="0" y="0"/>
+          <a:chExt cx="0" cy="0"/>
+        </a:xfrm>
+      </p:grpSpPr>
+      <p:sp>
+        <p:nvSpPr>
+          <p:cNvPr id="2" name="Title 1">
+            <a:extLst>
+              <a:ext uri="{FF2B5EF4-FFF2-40B4-BE49-F238E27FC236}">
+                <a16:creationId xmlns:a16="http://schemas.microsoft.com/office/drawing/2014/main" id="{87F2AF2D-018C-2B8F-8D58-FE803D5AC3F8}"/>
+              </a:ext>
+            </a:extLst>
+          </p:cNvPr>
+          <p:cNvSpPr>
+            <a:spLocks noGrp="1"/>
+          </p:cNvSpPr>
+          <p:nvPr>
+            <p:ph type="title"/>
+          </p:nvPr>
+        </p:nvSpPr>
+        <p:spPr/>
+        <p:txBody>
+          <a:bodyPr/>
+          <a:lstStyle/>
+          <a:p>
+            <a:r>
+              <a:rPr lang="en-US" dirty="0"/>
+              <a:t>For more info:</a:t>
+            </a:r>
+          </a:p>
+        </p:txBody>
+      </p:sp>
+      <p:sp>
+        <p:nvSpPr>
+          <p:cNvPr id="3" name="Content Placeholder 2">
+            <a:extLst>
+              <a:ext uri="{FF2B5EF4-FFF2-40B4-BE49-F238E27FC236}">
+                <a16:creationId xmlns:a16="http://schemas.microsoft.com/office/drawing/2014/main" id="{EFE04255-12A7-650D-F6D3-B5D56C26C4AA}"/>
+              </a:ext>
+            </a:extLst>
+          </p:cNvPr>
+          <p:cNvSpPr>
+            <a:spLocks noGrp="1"/>
+          </p:cNvSpPr>
+          <p:nvPr>
+            <p:ph idx="1"/>
+          </p:nvPr>
+        </p:nvSpPr>
+        <p:spPr/>
+        <p:txBody>
+          <a:bodyPr/>
+          <a:lstStyle/>
+          <a:p>
+            <a:r>
+              <a:rPr lang="en-US" dirty="0"/>
+              <a:t>Contact:</a:t>
+            </a:r>
+          </a:p>
+          <a:p>
+            <a:r>
+              <a:rPr lang="en-US" dirty="0"/>
+              <a:t>Email[princevalentine879@gmail.com]</a:t>
+            </a:r>
+          </a:p>
+          <a:p>
+            <a:r>
+              <a:rPr lang="en-US" dirty="0"/>
+              <a:t>Git Hub []</a:t>
+            </a:r>
+          </a:p>
+        </p:txBody>
+      </p:sp>
+    </p:spTree>
+    <p:extLst>
+      <p:ext uri="{BB962C8B-B14F-4D97-AF65-F5344CB8AC3E}">
+        <p14:creationId xmlns:p14="http://schemas.microsoft.com/office/powerpoint/2010/main" val="436835081"/>
+      </p:ext>
+    </p:extLst>
+  </p:cSld>
+  <p:clrMapOvr>
+    <a:masterClrMapping/>
+  </p:clrMapOvr>
+</p:sld>
+</file>
+
 <file path=ppt/slides/slide2.xml><?xml version="1.0" encoding="utf-8"?>
 <p:sld xmlns:a="http://schemas.openxmlformats.org/drawingml/2006/main" xmlns:r="http://schemas.openxmlformats.org/officeDocument/2006/relationships" xmlns:p="http://schemas.openxmlformats.org/presentationml/2006/main">
   <p:cSld>
@@ -4327,6 +5227,96 @@
           <p:cNvPr id="2" name="Title 1">
             <a:extLst>
               <a:ext uri="{FF2B5EF4-FFF2-40B4-BE49-F238E27FC236}">
+                <a16:creationId xmlns:a16="http://schemas.microsoft.com/office/drawing/2014/main" id="{105CB323-E5F7-7B70-D45D-BE05DB07AB83}"/>
+              </a:ext>
+            </a:extLst>
+          </p:cNvPr>
+          <p:cNvSpPr>
+            <a:spLocks noGrp="1"/>
+          </p:cNvSpPr>
+          <p:nvPr>
+            <p:ph type="title"/>
+          </p:nvPr>
+        </p:nvSpPr>
+        <p:spPr/>
+        <p:txBody>
+          <a:bodyPr/>
+          <a:lstStyle/>
+          <a:p>
+            <a:endParaRPr lang="en-US"/>
+          </a:p>
+        </p:txBody>
+      </p:sp>
+      <p:pic>
+        <p:nvPicPr>
+          <p:cNvPr id="5" name="Content Placeholder 4">
+            <a:extLst>
+              <a:ext uri="{FF2B5EF4-FFF2-40B4-BE49-F238E27FC236}">
+                <a16:creationId xmlns:a16="http://schemas.microsoft.com/office/drawing/2014/main" id="{1C6AF76B-D684-7720-7BAC-00677570449D}"/>
+              </a:ext>
+            </a:extLst>
+          </p:cNvPr>
+          <p:cNvPicPr>
+            <a:picLocks noGrp="1" noChangeAspect="1"/>
+          </p:cNvPicPr>
+          <p:nvPr>
+            <p:ph idx="1"/>
+          </p:nvPr>
+        </p:nvPicPr>
+        <p:blipFill>
+          <a:blip r:embed="rId3">
+            <a:extLst>
+              <a:ext uri="{28A0092B-C50C-407E-A947-70E740481C1C}">
+                <a14:useLocalDpi xmlns:a14="http://schemas.microsoft.com/office/drawing/2010/main" val="0"/>
+              </a:ext>
+            </a:extLst>
+          </a:blip>
+          <a:stretch>
+            <a:fillRect/>
+          </a:stretch>
+        </p:blipFill>
+        <p:spPr>
+          <a:xfrm>
+            <a:off x="1137146" y="-1"/>
+            <a:ext cx="10105477" cy="6053481"/>
+          </a:xfrm>
+        </p:spPr>
+      </p:pic>
+    </p:spTree>
+    <p:extLst>
+      <p:ext uri="{BB962C8B-B14F-4D97-AF65-F5344CB8AC3E}">
+        <p14:creationId xmlns:p14="http://schemas.microsoft.com/office/powerpoint/2010/main" val="3060234781"/>
+      </p:ext>
+    </p:extLst>
+  </p:cSld>
+  <p:clrMapOvr>
+    <a:masterClrMapping/>
+  </p:clrMapOvr>
+</p:sld>
+</file>
+
+<file path=ppt/slides/slide8.xml><?xml version="1.0" encoding="utf-8"?>
+<p:sld xmlns:a="http://schemas.openxmlformats.org/drawingml/2006/main" xmlns:r="http://schemas.openxmlformats.org/officeDocument/2006/relationships" xmlns:p="http://schemas.openxmlformats.org/presentationml/2006/main">
+  <p:cSld>
+    <p:spTree>
+      <p:nvGrpSpPr>
+        <p:cNvPr id="1" name=""/>
+        <p:cNvGrpSpPr/>
+        <p:nvPr/>
+      </p:nvGrpSpPr>
+      <p:grpSpPr>
+        <a:xfrm>
+          <a:off x="0" y="0"/>
+          <a:ext cx="0" cy="0"/>
+          <a:chOff x="0" y="0"/>
+          <a:chExt cx="0" cy="0"/>
+        </a:xfrm>
+      </p:grpSpPr>
+      <p:sp>
+        <p:nvSpPr>
+          <p:cNvPr id="2" name="Title 1">
+            <a:extLst>
+              <a:ext uri="{FF2B5EF4-FFF2-40B4-BE49-F238E27FC236}">
                 <a16:creationId xmlns:a16="http://schemas.microsoft.com/office/drawing/2014/main" id="{F130F990-C796-8CCE-D774-4745B978DBDD}"/>
               </a:ext>
             </a:extLst>
@@ -4398,156 +5388,6 @@
 </p:sld>
 </file>
 
-<file path=ppt/slides/slide8.xml><?xml version="1.0" encoding="utf-8"?>
-<p:sld xmlns:a="http://schemas.openxmlformats.org/drawingml/2006/main" xmlns:r="http://schemas.openxmlformats.org/officeDocument/2006/relationships" xmlns:p="http://schemas.openxmlformats.org/presentationml/2006/main">
-  <p:cSld>
-    <p:spTree>
-      <p:nvGrpSpPr>
-        <p:cNvPr id="1" name=""/>
-        <p:cNvGrpSpPr/>
-        <p:nvPr/>
-      </p:nvGrpSpPr>
-      <p:grpSpPr>
-        <a:xfrm>
-          <a:off x="0" y="0"/>
-          <a:ext cx="0" cy="0"/>
-          <a:chOff x="0" y="0"/>
-          <a:chExt cx="0" cy="0"/>
-        </a:xfrm>
-      </p:grpSpPr>
-      <p:sp>
-        <p:nvSpPr>
-          <p:cNvPr id="2" name="Title 1">
-            <a:extLst>
-              <a:ext uri="{FF2B5EF4-FFF2-40B4-BE49-F238E27FC236}">
-                <a16:creationId xmlns:a16="http://schemas.microsoft.com/office/drawing/2014/main" id="{9386DC67-D43E-61E7-346B-3503B1B688DB}"/>
-              </a:ext>
-            </a:extLst>
-          </p:cNvPr>
-          <p:cNvSpPr>
-            <a:spLocks noGrp="1"/>
-          </p:cNvSpPr>
-          <p:nvPr>
-            <p:ph type="title"/>
-          </p:nvPr>
-        </p:nvSpPr>
-        <p:spPr/>
-        <p:txBody>
-          <a:bodyPr/>
-          <a:lstStyle/>
-          <a:p>
-            <a:r>
-              <a:rPr lang="en-US" dirty="0"/>
-              <a:t>Conclusions</a:t>
-            </a:r>
-          </a:p>
-        </p:txBody>
-      </p:sp>
-      <p:sp>
-        <p:nvSpPr>
-          <p:cNvPr id="3" name="Content Placeholder 2">
-            <a:extLst>
-              <a:ext uri="{FF2B5EF4-FFF2-40B4-BE49-F238E27FC236}">
-                <a16:creationId xmlns:a16="http://schemas.microsoft.com/office/drawing/2014/main" id="{CD189C8E-241B-3897-B6BA-FA5157DE2B69}"/>
-              </a:ext>
-            </a:extLst>
-          </p:cNvPr>
-          <p:cNvSpPr>
-            <a:spLocks noGrp="1"/>
-          </p:cNvSpPr>
-          <p:nvPr>
-            <p:ph idx="1"/>
-          </p:nvPr>
-        </p:nvSpPr>
-        <p:spPr>
-          <a:xfrm>
-            <a:off x="838200" y="1825625"/>
-            <a:ext cx="10515600" cy="4667250"/>
-          </a:xfrm>
-        </p:spPr>
-        <p:txBody>
-          <a:bodyPr>
-            <a:normAutofit lnSpcReduction="10000"/>
-          </a:bodyPr>
-          <a:lstStyle/>
-          <a:p>
-            <a:pPr marL="0" indent="0">
-              <a:buNone/>
-            </a:pPr>
-            <a:r>
-              <a:rPr lang="en-US" dirty="0"/>
-              <a:t>Recommendations  for Microsoft:</a:t>
-            </a:r>
-          </a:p>
-          <a:p>
-            <a:r>
-              <a:rPr lang="en-US" dirty="0"/>
-              <a:t>Focus on Action ,Adventure , and Biography genres to increase potentials</a:t>
-            </a:r>
-          </a:p>
-          <a:p>
-            <a:r>
-              <a:rPr lang="en-US" dirty="0"/>
-              <a:t>Support genres decisions with market trends data  but also asses long term sustainability beyond blockbuster outliers</a:t>
-            </a:r>
-          </a:p>
-          <a:p>
-            <a:r>
-              <a:rPr lang="en-US" dirty="0"/>
-              <a:t>Consider highly rated and frequently voted titles as signal of appeal</a:t>
-            </a:r>
-          </a:p>
-          <a:p>
-            <a:pPr marL="0" indent="0">
-              <a:buNone/>
-            </a:pPr>
-            <a:r>
-              <a:rPr lang="en-US" dirty="0"/>
-              <a:t>Limitations</a:t>
-            </a:r>
-          </a:p>
-          <a:p>
-            <a:r>
-              <a:rPr lang="en-US" dirty="0"/>
-              <a:t>Data limited to films with complete financial  information</a:t>
-            </a:r>
-          </a:p>
-          <a:p>
-            <a:r>
-              <a:rPr lang="en-US" dirty="0"/>
-              <a:t>No access to production  budget or streaming metrics</a:t>
-            </a:r>
-          </a:p>
-          <a:p>
-            <a:pPr marL="0" indent="0">
-              <a:buNone/>
-            </a:pPr>
-            <a:r>
-              <a:rPr lang="en-US" dirty="0"/>
-              <a:t>Next Steps</a:t>
-            </a:r>
-          </a:p>
-          <a:p>
-            <a:r>
-              <a:rPr lang="en-US" dirty="0"/>
-              <a:t>Predict revenue using  regression models on cleaned features</a:t>
-            </a:r>
-          </a:p>
-        </p:txBody>
-      </p:sp>
-    </p:spTree>
-    <p:extLst>
-      <p:ext uri="{BB962C8B-B14F-4D97-AF65-F5344CB8AC3E}">
-        <p14:creationId xmlns:p14="http://schemas.microsoft.com/office/powerpoint/2010/main" val="1724046131"/>
-      </p:ext>
-    </p:extLst>
-  </p:cSld>
-  <p:clrMapOvr>
-    <a:masterClrMapping/>
-  </p:clrMapOvr>
-</p:sld>
-</file>
-
 <file path=ppt/slides/slide9.xml><?xml version="1.0" encoding="utf-8"?>
 <p:sld xmlns:a="http://schemas.openxmlformats.org/drawingml/2006/main" xmlns:r="http://schemas.openxmlformats.org/officeDocument/2006/relationships" xmlns:p="http://schemas.openxmlformats.org/presentationml/2006/main">
   <p:cSld>
@@ -4570,7 +5410,7 @@
           <p:cNvPr id="2" name="Title 1">
             <a:extLst>
               <a:ext uri="{FF2B5EF4-FFF2-40B4-BE49-F238E27FC236}">
-                <a16:creationId xmlns:a16="http://schemas.microsoft.com/office/drawing/2014/main" id="{87F2AF2D-018C-2B8F-8D58-FE803D5AC3F8}"/>
+                <a16:creationId xmlns:a16="http://schemas.microsoft.com/office/drawing/2014/main" id="{22B2979D-88F8-8368-CE09-5F1DEE1808DF}"/>
               </a:ext>
             </a:extLst>
           </p:cNvPr>
@@ -4588,7 +5428,7 @@
           <a:p>
             <a:r>
               <a:rPr lang="en-US" dirty="0"/>
-              <a:t>For more info:</a:t>
+              <a:t>Heat map</a:t>
             </a:r>
           </a:p>
         </p:txBody>
@@ -4598,7 +5438,7 @@
           <p:cNvPr id="3" name="Content Placeholder 2">
             <a:extLst>
               <a:ext uri="{FF2B5EF4-FFF2-40B4-BE49-F238E27FC236}">
-                <a16:creationId xmlns:a16="http://schemas.microsoft.com/office/drawing/2014/main" id="{EFE04255-12A7-650D-F6D3-B5D56C26C4AA}"/>
+                <a16:creationId xmlns:a16="http://schemas.microsoft.com/office/drawing/2014/main" id="{E08602BD-6CA7-1D08-B606-8E21B611E9EF}"/>
               </a:ext>
             </a:extLst>
           </p:cNvPr>
@@ -4616,19 +5456,13 @@
           <a:p>
             <a:r>
               <a:rPr lang="en-US" dirty="0"/>
-              <a:t>Contact:</a:t>
+              <a:t>The heat map shows that total gross is positively correlated to most of the numeric variable with most of the variables being  weakly correlated or not correlated at all</a:t>
             </a:r>
           </a:p>
           <a:p>
             <a:r>
               <a:rPr lang="en-US" dirty="0"/>
-              <a:t>Email[princevalentine879@gmail.com]</a:t>
-            </a:r>
-          </a:p>
-          <a:p>
-            <a:r>
-              <a:rPr lang="en-US" dirty="0"/>
-              <a:t>Git Hub []</a:t>
+              <a:t>Number of votes has the strongest correlation of 0.67 this suggesting  that films with high number of votes are likely to earn more total gross </a:t>
             </a:r>
           </a:p>
         </p:txBody>
@@ -4636,7 +5470,7 @@
     </p:spTree>
     <p:extLst>
       <p:ext uri="{BB962C8B-B14F-4D97-AF65-F5344CB8AC3E}">
-        <p14:creationId xmlns:p14="http://schemas.microsoft.com/office/powerpoint/2010/main" val="436835081"/>
+        <p14:creationId xmlns:p14="http://schemas.microsoft.com/office/powerpoint/2010/main" val="2953228936"/>
       </p:ext>
     </p:extLst>
   </p:cSld>
@@ -4897,4 +5731,299 @@
     </a:ext>
   </a:extLst>
 </a:theme>
+</file>
+
+<file path=ppt/theme/theme2.xml><?xml version="1.0" encoding="utf-8"?>
+<a:theme xmlns:a="http://schemas.openxmlformats.org/drawingml/2006/main" name="Office Theme">
+  <a:themeElements>
+    <a:clrScheme name="Office">
+      <a:dk1>
+        <a:sysClr val="windowText" lastClr="000000"/>
+      </a:dk1>
+      <a:lt1>
+        <a:sysClr val="window" lastClr="FFFFFF"/>
+      </a:lt1>
+      <a:dk2>
+        <a:srgbClr val="44546A"/>
+      </a:dk2>
+      <a:lt2>
+        <a:srgbClr val="E7E6E6"/>
+      </a:lt2>
+      <a:accent1>
+        <a:srgbClr val="4472C4"/>
+      </a:accent1>
+      <a:accent2>
+        <a:srgbClr val="ED7D31"/>
+      </a:accent2>
+      <a:accent3>
+        <a:srgbClr val="A5A5A5"/>
+      </a:accent3>
+      <a:accent4>
+        <a:srgbClr val="FFC000"/>
+      </a:accent4>
+      <a:accent5>
+        <a:srgbClr val="5B9BD5"/>
+      </a:accent5>
+      <a:accent6>
+        <a:srgbClr val="70AD47"/>
+      </a:accent6>
+      <a:hlink>
+        <a:srgbClr val="0563C1"/>
+      </a:hlink>
+      <a:folHlink>
+        <a:srgbClr val="954F72"/>
+      </a:folHlink>
+    </a:clrScheme>
+    <a:fontScheme name="Office">
+      <a:majorFont>
+        <a:latin typeface="Calibri Light" panose="020F0302020204030204"/>
+        <a:ea typeface=""/>
+        <a:cs typeface=""/>
+        <a:font script="Jpan" typeface="游ゴシック Light"/>
+        <a:font script="Hang" typeface="맑은 고딕"/>
+        <a:font script="Hans" typeface="等线 Light"/>
+        <a:font script="Hant" typeface="新細明體"/>
+        <a:font script="Arab" typeface="Times New Roman"/>
+        <a:font script="Hebr" typeface="Times New Roman"/>
+        <a:font script="Thai" typeface="Angsana New"/>
+        <a:font script="Ethi" typeface="Nyala"/>
+        <a:font script="Beng" typeface="Vrinda"/>
+        <a:font script="Gujr" typeface="Shruti"/>
+        <a:font script="Khmr" typeface="MoolBoran"/>
+        <a:font script="Knda" typeface="Tunga"/>
+        <a:font script="Guru" typeface="Raavi"/>
+        <a:font script="Cans" typeface="Euphemia"/>
+        <a:font script="Cher" typeface="Plantagenet Cherokee"/>
+        <a:font script="Yiii" typeface="Microsoft Yi Baiti"/>
+        <a:font script="Tibt" typeface="Microsoft Himalaya"/>
+        <a:font script="Thaa" typeface="MV Boli"/>
+        <a:font script="Deva" typeface="Mangal"/>
+        <a:font script="Telu" typeface="Gautami"/>
+        <a:font script="Taml" typeface="Latha"/>
+        <a:font script="Syrc" typeface="Estrangelo Edessa"/>
+        <a:font script="Orya" typeface="Kalinga"/>
+        <a:font script="Mlym" typeface="Kartika"/>
+        <a:font script="Laoo" typeface="DokChampa"/>
+        <a:font script="Sinh" typeface="Iskoola Pota"/>
+        <a:font script="Mong" typeface="Mongolian Baiti"/>
+        <a:font script="Viet" typeface="Times New Roman"/>
+        <a:font script="Uigh" typeface="Microsoft Uighur"/>
+        <a:font script="Geor" typeface="Sylfaen"/>
+        <a:font script="Armn" typeface="Arial"/>
+        <a:font script="Bugi" typeface="Leelawadee UI"/>
+        <a:font script="Bopo" typeface="Microsoft JhengHei"/>
+        <a:font script="Java" typeface="Javanese Text"/>
+        <a:font script="Lisu" typeface="Segoe UI"/>
+        <a:font script="Mymr" typeface="Myanmar Text"/>
+        <a:font script="Nkoo" typeface="Ebrima"/>
+        <a:font script="Olck" typeface="Nirmala UI"/>
+        <a:font script="Osma" typeface="Ebrima"/>
+        <a:font script="Phag" typeface="Phagspa"/>
+        <a:font script="Syrn" typeface="Estrangelo Edessa"/>
+        <a:font script="Syrj" typeface="Estrangelo Edessa"/>
+        <a:font script="Syre" typeface="Estrangelo Edessa"/>
+        <a:font script="Sora" typeface="Nirmala UI"/>
+        <a:font script="Tale" typeface="Microsoft Tai Le"/>
+        <a:font script="Talu" typeface="Microsoft New Tai Lue"/>
+        <a:font script="Tfng" typeface="Ebrima"/>
+      </a:majorFont>
+      <a:minorFont>
+        <a:latin typeface="Calibri" panose="020F0502020204030204"/>
+        <a:ea typeface=""/>
+        <a:cs typeface=""/>
+        <a:font script="Jpan" typeface="游ゴシック"/>
+        <a:font script="Hang" typeface="맑은 고딕"/>
+        <a:font script="Hans" typeface="等线"/>
+        <a:font script="Hant" typeface="新細明體"/>
+        <a:font script="Arab" typeface="Arial"/>
+        <a:font script="Hebr" typeface="Arial"/>
+        <a:font script="Thai" typeface="Cordia New"/>
+        <a:font script="Ethi" typeface="Nyala"/>
+        <a:font script="Beng" typeface="Vrinda"/>
+        <a:font script="Gujr" typeface="Shruti"/>
+        <a:font script="Khmr" typeface="DaunPenh"/>
+        <a:font script="Knda" typeface="Tunga"/>
+        <a:font script="Guru" typeface="Raavi"/>
+        <a:font script="Cans" typeface="Euphemia"/>
+        <a:font script="Cher" typeface="Plantagenet Cherokee"/>
+        <a:font script="Yiii" typeface="Microsoft Yi Baiti"/>
+        <a:font script="Tibt" typeface="Microsoft Himalaya"/>
+        <a:font script="Thaa" typeface="MV Boli"/>
+        <a:font script="Deva" typeface="Mangal"/>
+        <a:font script="Telu" typeface="Gautami"/>
+        <a:font script="Taml" typeface="Latha"/>
+        <a:font script="Syrc" typeface="Estrangelo Edessa"/>
+        <a:font script="Orya" typeface="Kalinga"/>
+        <a:font script="Mlym" typeface="Kartika"/>
+        <a:font script="Laoo" typeface="DokChampa"/>
+        <a:font script="Sinh" typeface="Iskoola Pota"/>
+        <a:font script="Mong" typeface="Mongolian Baiti"/>
+        <a:font script="Viet" typeface="Arial"/>
+        <a:font script="Uigh" typeface="Microsoft Uighur"/>
+        <a:font script="Geor" typeface="Sylfaen"/>
+        <a:font script="Armn" typeface="Arial"/>
+        <a:font script="Bugi" typeface="Leelawadee UI"/>
+        <a:font script="Bopo" typeface="Microsoft JhengHei"/>
+        <a:font script="Java" typeface="Javanese Text"/>
+        <a:font script="Lisu" typeface="Segoe UI"/>
+        <a:font script="Mymr" typeface="Myanmar Text"/>
+        <a:font script="Nkoo" typeface="Ebrima"/>
+        <a:font script="Olck" typeface="Nirmala UI"/>
+        <a:font script="Osma" typeface="Ebrima"/>
+        <a:font script="Phag" typeface="Phagspa"/>
+        <a:font script="Syrn" typeface="Estrangelo Edessa"/>
+        <a:font script="Syrj" typeface="Estrangelo Edessa"/>
+        <a:font script="Syre" typeface="Estrangelo Edessa"/>
+        <a:font script="Sora" typeface="Nirmala UI"/>
+        <a:font script="Tale" typeface="Microsoft Tai Le"/>
+        <a:font script="Talu" typeface="Microsoft New Tai Lue"/>
+        <a:font script="Tfng" typeface="Ebrima"/>
+      </a:minorFont>
+    </a:fontScheme>
+    <a:fmtScheme name="Office">
+      <a:fillStyleLst>
+        <a:solidFill>
+          <a:schemeClr val="phClr"/>
+        </a:solidFill>
+        <a:gradFill rotWithShape="1">
+          <a:gsLst>
+            <a:gs pos="0">
+              <a:schemeClr val="phClr">
+                <a:lumMod val="110000"/>
+                <a:satMod val="105000"/>
+                <a:tint val="67000"/>
+              </a:schemeClr>
+            </a:gs>
+            <a:gs pos="50000">
+              <a:schemeClr val="phClr">
+                <a:lumMod val="105000"/>
+                <a:satMod val="103000"/>
+                <a:tint val="73000"/>
+              </a:schemeClr>
+            </a:gs>
+            <a:gs pos="100000">
+              <a:schemeClr val="phClr">
+                <a:lumMod val="105000"/>
+                <a:satMod val="109000"/>
+                <a:tint val="81000"/>
+              </a:schemeClr>
+            </a:gs>
+          </a:gsLst>
+          <a:lin ang="5400000" scaled="0"/>
+        </a:gradFill>
+        <a:gradFill rotWithShape="1">
+          <a:gsLst>
+            <a:gs pos="0">
+              <a:schemeClr val="phClr">
+                <a:satMod val="103000"/>
+                <a:lumMod val="102000"/>
+                <a:tint val="94000"/>
+              </a:schemeClr>
+            </a:gs>
+            <a:gs pos="50000">
+              <a:schemeClr val="phClr">
+                <a:satMod val="110000"/>
+                <a:lumMod val="100000"/>
+                <a:shade val="100000"/>
+              </a:schemeClr>
+            </a:gs>
+            <a:gs pos="100000">
+              <a:schemeClr val="phClr">
+                <a:lumMod val="99000"/>
+                <a:satMod val="120000"/>
+                <a:shade val="78000"/>
+              </a:schemeClr>
+            </a:gs>
+          </a:gsLst>
+          <a:lin ang="5400000" scaled="0"/>
+        </a:gradFill>
+      </a:fillStyleLst>
+      <a:lnStyleLst>
+        <a:ln w="6350" cap="flat" cmpd="sng" algn="ctr">
+          <a:solidFill>
+            <a:schemeClr val="phClr"/>
+          </a:solidFill>
+          <a:prstDash val="solid"/>
+          <a:miter lim="800000"/>
+        </a:ln>
+        <a:ln w="12700" cap="flat" cmpd="sng" algn="ctr">
+          <a:solidFill>
+            <a:schemeClr val="phClr"/>
+          </a:solidFill>
+          <a:prstDash val="solid"/>
+          <a:miter lim="800000"/>
+        </a:ln>
+        <a:ln w="19050" cap="flat" cmpd="sng" algn="ctr">
+          <a:solidFill>
+            <a:schemeClr val="phClr"/>
+          </a:solidFill>
+          <a:prstDash val="solid"/>
+          <a:miter lim="800000"/>
+        </a:ln>
+      </a:lnStyleLst>
+      <a:effectStyleLst>
+        <a:effectStyle>
+          <a:effectLst/>
+        </a:effectStyle>
+        <a:effectStyle>
+          <a:effectLst/>
+        </a:effectStyle>
+        <a:effectStyle>
+          <a:effectLst>
+            <a:outerShdw blurRad="57150" dist="19050" dir="5400000" algn="ctr" rotWithShape="0">
+              <a:srgbClr val="000000">
+                <a:alpha val="63000"/>
+              </a:srgbClr>
+            </a:outerShdw>
+          </a:effectLst>
+        </a:effectStyle>
+      </a:effectStyleLst>
+      <a:bgFillStyleLst>
+        <a:solidFill>
+          <a:schemeClr val="phClr"/>
+        </a:solidFill>
+        <a:solidFill>
+          <a:schemeClr val="phClr">
+            <a:tint val="95000"/>
+            <a:satMod val="170000"/>
+          </a:schemeClr>
+        </a:solidFill>
+        <a:gradFill rotWithShape="1">
+          <a:gsLst>
+            <a:gs pos="0">
+              <a:schemeClr val="phClr">
+                <a:tint val="93000"/>
+                <a:satMod val="150000"/>
+                <a:shade val="98000"/>
+                <a:lumMod val="102000"/>
+              </a:schemeClr>
+            </a:gs>
+            <a:gs pos="50000">
+              <a:schemeClr val="phClr">
+                <a:tint val="98000"/>
+                <a:satMod val="130000"/>
+                <a:shade val="90000"/>
+                <a:lumMod val="103000"/>
+              </a:schemeClr>
+            </a:gs>
+            <a:gs pos="100000">
+              <a:schemeClr val="phClr">
+                <a:shade val="63000"/>
+                <a:satMod val="120000"/>
+              </a:schemeClr>
+            </a:gs>
+          </a:gsLst>
+          <a:lin ang="5400000" scaled="0"/>
+        </a:gradFill>
+      </a:bgFillStyleLst>
+    </a:fmtScheme>
+  </a:themeElements>
+  <a:objectDefaults/>
+  <a:extraClrSchemeLst/>
+  <a:extLst>
+    <a:ext uri="{05A4C25C-085E-4340-85A3-A5531E510DB2}">
+      <thm15:themeFamily xmlns:thm15="http://schemas.microsoft.com/office/thememl/2012/main" name="Office Theme" id="{62F939B6-93AF-4DB8-9C6B-D6C7DFDC589F}" vid="{4A3C46E8-61CC-4603-A589-7422A47A8E4A}"/>
+    </a:ext>
+  </a:extLst>
+</a:theme>
 </file>